--- a/spring/docs/04-spring.pptx
+++ b/spring/docs/04-spring.pptx
@@ -6,12 +6,27 @@
     <p:sldMasterId id="2147483660" r:id="rId2"/>
   </p:sldMasterIdLst>
   <p:notesMasterIdLst>
-    <p:notesMasterId r:id="rId6"/>
+    <p:notesMasterId r:id="rId21"/>
   </p:notesMasterIdLst>
   <p:sldIdLst>
     <p:sldId id="256" r:id="rId3"/>
     <p:sldId id="262" r:id="rId4"/>
-    <p:sldId id="261" r:id="rId5"/>
+    <p:sldId id="272" r:id="rId5"/>
+    <p:sldId id="273" r:id="rId6"/>
+    <p:sldId id="274" r:id="rId7"/>
+    <p:sldId id="275" r:id="rId8"/>
+    <p:sldId id="276" r:id="rId9"/>
+    <p:sldId id="263" r:id="rId10"/>
+    <p:sldId id="265" r:id="rId11"/>
+    <p:sldId id="266" r:id="rId12"/>
+    <p:sldId id="267" r:id="rId13"/>
+    <p:sldId id="268" r:id="rId14"/>
+    <p:sldId id="269" r:id="rId15"/>
+    <p:sldId id="277" r:id="rId16"/>
+    <p:sldId id="270" r:id="rId17"/>
+    <p:sldId id="264" r:id="rId18"/>
+    <p:sldId id="271" r:id="rId19"/>
+    <p:sldId id="261" r:id="rId20"/>
   </p:sldIdLst>
   <p:sldSz cx="9144000" cy="6858000" type="screen4x3"/>
   <p:notesSz cx="6858000" cy="9144000"/>
@@ -195,7 +210,7 @@
           <a:p>
             <a:fld id="{D6CB015B-B7FF-4093-8E19-9AD7339689D2}" type="datetimeFigureOut">
               <a:rPr lang="zh-CN" altLang="en-US" smtClean="0"/>
-              <a:t>2017/12/19</a:t>
+              <a:t>2017/12/20</a:t>
             </a:fld>
             <a:endParaRPr lang="zh-CN" altLang="en-US"/>
           </a:p>
@@ -550,7 +565,7 @@
             <a:fld id="{96901A81-0F01-4EEE-B1B8-8AAFCC661EC4}" type="slidenum">
               <a:rPr lang="zh-CN" altLang="en-US" smtClean="0"/>
               <a:pPr/>
-              <a:t>3</a:t>
+              <a:t>18</a:t>
             </a:fld>
             <a:endParaRPr lang="zh-CN" altLang="en-US"/>
           </a:p>
@@ -2165,7 +2180,7 @@
             <a:fld id="{B35E7478-ADE7-4480-A214-01473DFE0029}" type="datetimeFigureOut">
               <a:rPr lang="zh-CN" altLang="en-US" smtClean="0"/>
               <a:pPr/>
-              <a:t>2017/12/19</a:t>
+              <a:t>2017/12/20</a:t>
             </a:fld>
             <a:endParaRPr lang="zh-CN" altLang="en-US"/>
           </a:p>
@@ -6030,7 +6045,7 @@
             <a:fld id="{B35E7478-ADE7-4480-A214-01473DFE0029}" type="datetimeFigureOut">
               <a:rPr lang="zh-CN" altLang="en-US" smtClean="0"/>
               <a:pPr/>
-              <a:t>2017/12/19</a:t>
+              <a:t>2017/12/20</a:t>
             </a:fld>
             <a:endParaRPr lang="zh-CN" altLang="en-US"/>
           </a:p>
@@ -7698,7 +7713,7 @@
             <a:fld id="{B35E7478-ADE7-4480-A214-01473DFE0029}" type="datetimeFigureOut">
               <a:rPr lang="zh-CN" altLang="en-US" smtClean="0"/>
               <a:pPr/>
-              <a:t>2017/12/19</a:t>
+              <a:t>2017/12/20</a:t>
             </a:fld>
             <a:endParaRPr lang="zh-CN" altLang="en-US"/>
           </a:p>
@@ -12002,7 +12017,7 @@
                 </a:solidFill>
               </a:rPr>
               <a:pPr/>
-              <a:t>2017/12/19</a:t>
+              <a:t>2017/12/20</a:t>
             </a:fld>
             <a:endParaRPr lang="zh-CN" altLang="en-US">
               <a:solidFill>
@@ -15920,7 +15935,7 @@
                 </a:solidFill>
               </a:rPr>
               <a:pPr/>
-              <a:t>2017/12/19</a:t>
+              <a:t>2017/12/20</a:t>
             </a:fld>
             <a:endParaRPr lang="zh-CN" altLang="en-US">
               <a:solidFill>
@@ -21771,7 +21786,7 @@
                 </a:solidFill>
               </a:rPr>
               <a:pPr/>
-              <a:t>2017/12/19</a:t>
+              <a:t>2017/12/20</a:t>
             </a:fld>
             <a:endParaRPr lang="zh-CN" altLang="en-US">
               <a:solidFill>
@@ -22361,7 +22376,7 @@
                 </a:solidFill>
               </a:rPr>
               <a:pPr/>
-              <a:t>2017/12/19</a:t>
+              <a:t>2017/12/20</a:t>
             </a:fld>
             <a:endParaRPr lang="zh-CN" altLang="en-US">
               <a:solidFill>
@@ -26065,7 +26080,7 @@
                 </a:solidFill>
               </a:rPr>
               <a:pPr/>
-              <a:t>2017/12/19</a:t>
+              <a:t>2017/12/20</a:t>
             </a:fld>
             <a:endParaRPr lang="zh-CN" altLang="en-US">
               <a:solidFill>
@@ -26199,7 +26214,7 @@
                 </a:solidFill>
               </a:rPr>
               <a:pPr/>
-              <a:t>2017/12/19</a:t>
+              <a:t>2017/12/20</a:t>
             </a:fld>
             <a:endParaRPr lang="zh-CN" altLang="en-US">
               <a:solidFill>
@@ -27028,7 +27043,7 @@
             <a:fld id="{B35E7478-ADE7-4480-A214-01473DFE0029}" type="datetimeFigureOut">
               <a:rPr lang="zh-CN" altLang="en-US" smtClean="0"/>
               <a:pPr/>
-              <a:t>2017/12/19</a:t>
+              <a:t>2017/12/20</a:t>
             </a:fld>
             <a:endParaRPr lang="zh-CN" altLang="en-US"/>
           </a:p>
@@ -32356,7 +32371,7 @@
             <a:fld id="{B35E7478-ADE7-4480-A214-01473DFE0029}" type="datetimeFigureOut">
               <a:rPr lang="zh-CN" altLang="en-US" smtClean="0"/>
               <a:pPr/>
-              <a:t>2017/12/19</a:t>
+              <a:t>2017/12/20</a:t>
             </a:fld>
             <a:endParaRPr lang="zh-CN" altLang="en-US"/>
           </a:p>
@@ -37710,7 +37725,7 @@
             <a:fld id="{B35E7478-ADE7-4480-A214-01473DFE0029}" type="datetimeFigureOut">
               <a:rPr lang="zh-CN" altLang="en-US" smtClean="0"/>
               <a:pPr/>
-              <a:t>2017/12/19</a:t>
+              <a:t>2017/12/20</a:t>
             </a:fld>
             <a:endParaRPr lang="zh-CN" altLang="en-US"/>
           </a:p>
@@ -37807,7 +37822,7 @@
             <a:fld id="{B35E7478-ADE7-4480-A214-01473DFE0029}" type="datetimeFigureOut">
               <a:rPr lang="zh-CN" altLang="en-US" smtClean="0"/>
               <a:pPr/>
-              <a:t>2017/12/19</a:t>
+              <a:t>2017/12/20</a:t>
             </a:fld>
             <a:endParaRPr lang="zh-CN" altLang="en-US"/>
           </a:p>
@@ -38093,7 +38108,7 @@
             <a:fld id="{B35E7478-ADE7-4480-A214-01473DFE0029}" type="datetimeFigureOut">
               <a:rPr lang="zh-CN" altLang="en-US" smtClean="0"/>
               <a:pPr/>
-              <a:t>2017/12/19</a:t>
+              <a:t>2017/12/20</a:t>
             </a:fld>
             <a:endParaRPr lang="zh-CN" altLang="en-US"/>
           </a:p>
@@ -38348,7 +38363,7 @@
             <a:fld id="{B35E7478-ADE7-4480-A214-01473DFE0029}" type="datetimeFigureOut">
               <a:rPr lang="zh-CN" altLang="en-US" smtClean="0"/>
               <a:pPr/>
-              <a:t>2017/12/19</a:t>
+              <a:t>2017/12/20</a:t>
             </a:fld>
             <a:endParaRPr lang="zh-CN" altLang="en-US"/>
           </a:p>
@@ -38520,7 +38535,7 @@
             <a:fld id="{B35E7478-ADE7-4480-A214-01473DFE0029}" type="datetimeFigureOut">
               <a:rPr lang="zh-CN" altLang="en-US" smtClean="0"/>
               <a:pPr/>
-              <a:t>2017/12/19</a:t>
+              <a:t>2017/12/20</a:t>
             </a:fld>
             <a:endParaRPr lang="zh-CN" altLang="en-US"/>
           </a:p>
@@ -38747,7 +38762,7 @@
             <a:fld id="{B35E7478-ADE7-4480-A214-01473DFE0029}" type="datetimeFigureOut">
               <a:rPr lang="zh-CN" altLang="en-US" smtClean="0"/>
               <a:pPr/>
-              <a:t>2017/12/19</a:t>
+              <a:t>2017/12/20</a:t>
             </a:fld>
             <a:endParaRPr lang="zh-CN" altLang="en-US"/>
           </a:p>
@@ -39283,7 +39298,7 @@
                 </a:solidFill>
               </a:rPr>
               <a:pPr/>
-              <a:t>2017/12/19</a:t>
+              <a:t>2017/12/20</a:t>
             </a:fld>
             <a:endParaRPr lang="zh-CN" altLang="en-US">
               <a:solidFill>
@@ -39706,11 +39721,11 @@
           <a:p>
             <a:r>
               <a:rPr lang="en-US" altLang="zh-CN" dirty="0" smtClean="0"/>
-              <a:t>JSP</a:t>
+              <a:t>Spring </a:t>
             </a:r>
             <a:r>
-              <a:rPr lang="zh-CN" altLang="en-US" dirty="0" smtClean="0"/>
-              <a:t>基础</a:t>
+              <a:rPr lang="en-US" altLang="zh-CN" dirty="0" err="1" smtClean="0"/>
+              <a:t>IoC</a:t>
             </a:r>
             <a:endParaRPr lang="zh-CN" altLang="en-US" dirty="0"/>
           </a:p>
@@ -39743,6 +39758,1524 @@
     <p:extLst>
       <p:ext uri="{BB962C8B-B14F-4D97-AF65-F5344CB8AC3E}">
         <p14:creationId xmlns:p14="http://schemas.microsoft.com/office/powerpoint/2010/main" val="2150810646"/>
+      </p:ext>
+    </p:extLst>
+  </p:cSld>
+  <p:clrMapOvr>
+    <a:masterClrMapping/>
+  </p:clrMapOvr>
+  <p:timing>
+    <p:tnLst>
+      <p:par>
+        <p:cTn id="1" dur="indefinite" restart="never" nodeType="tmRoot"/>
+      </p:par>
+    </p:tnLst>
+  </p:timing>
+</p:sld>
+</file>
+
+<file path=ppt/slides/slide10.xml><?xml version="1.0" encoding="utf-8"?>
+<p:sld xmlns:a="http://schemas.openxmlformats.org/drawingml/2006/main" xmlns:r="http://schemas.openxmlformats.org/officeDocument/2006/relationships" xmlns:p="http://schemas.openxmlformats.org/presentationml/2006/main">
+  <p:cSld>
+    <p:spTree>
+      <p:nvGrpSpPr>
+        <p:cNvPr id="1" name=""/>
+        <p:cNvGrpSpPr/>
+        <p:nvPr/>
+      </p:nvGrpSpPr>
+      <p:grpSpPr>
+        <a:xfrm>
+          <a:off x="0" y="0"/>
+          <a:ext cx="0" cy="0"/>
+          <a:chOff x="0" y="0"/>
+          <a:chExt cx="0" cy="0"/>
+        </a:xfrm>
+      </p:grpSpPr>
+      <p:sp>
+        <p:nvSpPr>
+          <p:cNvPr id="2" name="标题 1"/>
+          <p:cNvSpPr>
+            <a:spLocks noGrp="1"/>
+          </p:cNvSpPr>
+          <p:nvPr>
+            <p:ph type="title"/>
+          </p:nvPr>
+        </p:nvSpPr>
+        <p:spPr/>
+        <p:txBody>
+          <a:bodyPr>
+            <a:normAutofit fontScale="90000"/>
+          </a:bodyPr>
+          <a:lstStyle/>
+          <a:p>
+            <a:r>
+              <a:rPr lang="zh-CN" altLang="en-US" dirty="0" smtClean="0"/>
+              <a:t>对象实例化：构造函数</a:t>
+            </a:r>
+            <a:endParaRPr lang="zh-CN" altLang="en-US" dirty="0"/>
+          </a:p>
+        </p:txBody>
+      </p:sp>
+      <p:sp>
+        <p:nvSpPr>
+          <p:cNvPr id="3" name="内容占位符 2"/>
+          <p:cNvSpPr>
+            <a:spLocks noGrp="1"/>
+          </p:cNvSpPr>
+          <p:nvPr>
+            <p:ph idx="1"/>
+          </p:nvPr>
+        </p:nvSpPr>
+        <p:spPr/>
+        <p:txBody>
+          <a:bodyPr>
+            <a:normAutofit fontScale="70000" lnSpcReduction="20000"/>
+          </a:bodyPr>
+          <a:lstStyle/>
+          <a:p>
+            <a:pPr marL="0" indent="0">
+              <a:buNone/>
+            </a:pPr>
+            <a:r>
+              <a:rPr lang="en-US" altLang="zh-CN" dirty="0"/>
+              <a:t> &lt;bean name="</a:t>
+            </a:r>
+            <a:r>
+              <a:rPr lang="en-US" altLang="zh-CN" dirty="0" err="1" smtClean="0"/>
+              <a:t>simpleAddress</a:t>
+            </a:r>
+            <a:r>
+              <a:rPr lang="en-US" altLang="zh-CN" dirty="0" smtClean="0"/>
+              <a:t>“</a:t>
+            </a:r>
+          </a:p>
+          <a:p>
+            <a:pPr marL="0" indent="0">
+              <a:buNone/>
+            </a:pPr>
+            <a:r>
+              <a:rPr lang="en-US" altLang="zh-CN" dirty="0"/>
+              <a:t> </a:t>
+            </a:r>
+            <a:r>
+              <a:rPr lang="en-US" altLang="zh-CN" dirty="0" smtClean="0"/>
+              <a:t>                      </a:t>
+            </a:r>
+            <a:r>
+              <a:rPr lang="en-US" altLang="zh-CN" dirty="0"/>
+              <a:t>class="</a:t>
+            </a:r>
+            <a:r>
+              <a:rPr lang="en-US" altLang="zh-CN" dirty="0" err="1"/>
+              <a:t>spring.bean.Address</a:t>
+            </a:r>
+            <a:r>
+              <a:rPr lang="en-US" altLang="zh-CN" dirty="0"/>
+              <a:t>"&gt;</a:t>
+            </a:r>
+          </a:p>
+          <a:p>
+            <a:pPr marL="0" indent="0">
+              <a:buNone/>
+            </a:pPr>
+            <a:r>
+              <a:rPr lang="en-US" altLang="zh-CN" dirty="0"/>
+              <a:t>        &lt;constructor-</a:t>
+            </a:r>
+            <a:r>
+              <a:rPr lang="en-US" altLang="zh-CN" dirty="0" err="1"/>
+              <a:t>arg</a:t>
+            </a:r>
+            <a:r>
+              <a:rPr lang="en-US" altLang="zh-CN" dirty="0"/>
+              <a:t> name="line1" </a:t>
+            </a:r>
+            <a:endParaRPr lang="en-US" altLang="zh-CN" dirty="0" smtClean="0"/>
+          </a:p>
+          <a:p>
+            <a:pPr marL="0" indent="0">
+              <a:buNone/>
+            </a:pPr>
+            <a:r>
+              <a:rPr lang="en-US" altLang="zh-CN" dirty="0"/>
+              <a:t> </a:t>
+            </a:r>
+            <a:r>
+              <a:rPr lang="en-US" altLang="zh-CN" dirty="0" smtClean="0"/>
+              <a:t>                       value</a:t>
+            </a:r>
+            <a:r>
+              <a:rPr lang="en-US" altLang="zh-CN" dirty="0"/>
+              <a:t>="151 Corner Street"/&gt;</a:t>
+            </a:r>
+          </a:p>
+          <a:p>
+            <a:pPr marL="0" indent="0">
+              <a:buNone/>
+            </a:pPr>
+            <a:r>
+              <a:rPr lang="en-US" altLang="zh-CN" dirty="0"/>
+              <a:t>        &lt;constructor-</a:t>
+            </a:r>
+            <a:r>
+              <a:rPr lang="en-US" altLang="zh-CN" dirty="0" err="1"/>
+              <a:t>arg</a:t>
+            </a:r>
+            <a:r>
+              <a:rPr lang="en-US" altLang="zh-CN" dirty="0"/>
+              <a:t> name="line2" value=""/&gt;</a:t>
+            </a:r>
+          </a:p>
+          <a:p>
+            <a:pPr marL="0" indent="0">
+              <a:buNone/>
+            </a:pPr>
+            <a:r>
+              <a:rPr lang="en-US" altLang="zh-CN" dirty="0"/>
+              <a:t>        &lt;constructor-</a:t>
+            </a:r>
+            <a:r>
+              <a:rPr lang="en-US" altLang="zh-CN" dirty="0" err="1"/>
+              <a:t>arg</a:t>
+            </a:r>
+            <a:r>
+              <a:rPr lang="en-US" altLang="zh-CN" dirty="0"/>
+              <a:t> name="city" value="Albany"/&gt;</a:t>
+            </a:r>
+          </a:p>
+          <a:p>
+            <a:pPr marL="0" indent="0">
+              <a:buNone/>
+            </a:pPr>
+            <a:r>
+              <a:rPr lang="en-US" altLang="zh-CN" dirty="0"/>
+              <a:t>        &lt;constructor-</a:t>
+            </a:r>
+            <a:r>
+              <a:rPr lang="en-US" altLang="zh-CN" dirty="0" err="1"/>
+              <a:t>arg</a:t>
+            </a:r>
+            <a:r>
+              <a:rPr lang="en-US" altLang="zh-CN" dirty="0"/>
+              <a:t> name="state" value="NY"/&gt;</a:t>
+            </a:r>
+          </a:p>
+          <a:p>
+            <a:pPr marL="0" indent="0">
+              <a:buNone/>
+            </a:pPr>
+            <a:r>
+              <a:rPr lang="en-US" altLang="zh-CN" dirty="0"/>
+              <a:t>        &lt;constructor-</a:t>
+            </a:r>
+            <a:r>
+              <a:rPr lang="en-US" altLang="zh-CN" dirty="0" err="1"/>
+              <a:t>arg</a:t>
+            </a:r>
+            <a:r>
+              <a:rPr lang="en-US" altLang="zh-CN" dirty="0"/>
+              <a:t> name="</a:t>
+            </a:r>
+            <a:r>
+              <a:rPr lang="en-US" altLang="zh-CN" dirty="0" err="1"/>
+              <a:t>zipCode</a:t>
+            </a:r>
+            <a:r>
+              <a:rPr lang="en-US" altLang="zh-CN" dirty="0"/>
+              <a:t>" value="99999"/&gt;</a:t>
+            </a:r>
+          </a:p>
+          <a:p>
+            <a:pPr marL="0" indent="0">
+              <a:buNone/>
+            </a:pPr>
+            <a:r>
+              <a:rPr lang="en-US" altLang="zh-CN" dirty="0"/>
+              <a:t>        &lt;constructor-</a:t>
+            </a:r>
+            <a:r>
+              <a:rPr lang="en-US" altLang="zh-CN" dirty="0" err="1"/>
+              <a:t>arg</a:t>
+            </a:r>
+            <a:r>
+              <a:rPr lang="en-US" altLang="zh-CN" dirty="0"/>
+              <a:t> name="country" value="US"/&gt;</a:t>
+            </a:r>
+          </a:p>
+          <a:p>
+            <a:pPr marL="0" indent="0">
+              <a:buNone/>
+            </a:pPr>
+            <a:r>
+              <a:rPr lang="en-US" altLang="zh-CN" dirty="0"/>
+              <a:t>    &lt;/bean&gt;</a:t>
+            </a:r>
+            <a:endParaRPr lang="zh-CN" altLang="en-US" dirty="0"/>
+          </a:p>
+        </p:txBody>
+      </p:sp>
+    </p:spTree>
+    <p:extLst>
+      <p:ext uri="{BB962C8B-B14F-4D97-AF65-F5344CB8AC3E}">
+        <p14:creationId xmlns:p14="http://schemas.microsoft.com/office/powerpoint/2010/main" val="3502529113"/>
+      </p:ext>
+    </p:extLst>
+  </p:cSld>
+  <p:clrMapOvr>
+    <a:masterClrMapping/>
+  </p:clrMapOvr>
+</p:sld>
+</file>
+
+<file path=ppt/slides/slide11.xml><?xml version="1.0" encoding="utf-8"?>
+<p:sld xmlns:a="http://schemas.openxmlformats.org/drawingml/2006/main" xmlns:r="http://schemas.openxmlformats.org/officeDocument/2006/relationships" xmlns:p="http://schemas.openxmlformats.org/presentationml/2006/main">
+  <p:cSld>
+    <p:spTree>
+      <p:nvGrpSpPr>
+        <p:cNvPr id="1" name=""/>
+        <p:cNvGrpSpPr/>
+        <p:nvPr/>
+      </p:nvGrpSpPr>
+      <p:grpSpPr>
+        <a:xfrm>
+          <a:off x="0" y="0"/>
+          <a:ext cx="0" cy="0"/>
+          <a:chOff x="0" y="0"/>
+          <a:chExt cx="0" cy="0"/>
+        </a:xfrm>
+      </p:grpSpPr>
+      <p:sp>
+        <p:nvSpPr>
+          <p:cNvPr id="2" name="标题 1"/>
+          <p:cNvSpPr>
+            <a:spLocks noGrp="1"/>
+          </p:cNvSpPr>
+          <p:nvPr>
+            <p:ph type="title"/>
+          </p:nvPr>
+        </p:nvSpPr>
+        <p:spPr/>
+        <p:txBody>
+          <a:bodyPr>
+            <a:normAutofit fontScale="90000"/>
+          </a:bodyPr>
+          <a:lstStyle/>
+          <a:p>
+            <a:r>
+              <a:rPr lang="zh-CN" altLang="en-US" dirty="0"/>
+              <a:t>对象实例化</a:t>
+            </a:r>
+            <a:r>
+              <a:rPr lang="zh-CN" altLang="en-US" dirty="0" smtClean="0"/>
+              <a:t>：静态函数</a:t>
+            </a:r>
+            <a:endParaRPr lang="zh-CN" altLang="en-US" dirty="0"/>
+          </a:p>
+        </p:txBody>
+      </p:sp>
+      <p:sp>
+        <p:nvSpPr>
+          <p:cNvPr id="3" name="内容占位符 2"/>
+          <p:cNvSpPr>
+            <a:spLocks noGrp="1"/>
+          </p:cNvSpPr>
+          <p:nvPr>
+            <p:ph idx="1"/>
+          </p:nvPr>
+        </p:nvSpPr>
+        <p:spPr/>
+        <p:txBody>
+          <a:bodyPr/>
+          <a:lstStyle/>
+          <a:p>
+            <a:pPr marL="0" indent="0">
+              <a:buNone/>
+            </a:pPr>
+            <a:r>
+              <a:rPr lang="en-US" altLang="zh-CN" dirty="0"/>
+              <a:t>&lt;bean id="calendar" </a:t>
+            </a:r>
+            <a:endParaRPr lang="en-US" altLang="zh-CN" dirty="0" smtClean="0"/>
+          </a:p>
+          <a:p>
+            <a:pPr marL="0" indent="0">
+              <a:buNone/>
+            </a:pPr>
+            <a:r>
+              <a:rPr lang="en-US" altLang="zh-CN" dirty="0"/>
+              <a:t> </a:t>
+            </a:r>
+            <a:r>
+              <a:rPr lang="en-US" altLang="zh-CN" dirty="0" smtClean="0"/>
+              <a:t>    class</a:t>
+            </a:r>
+            <a:r>
+              <a:rPr lang="en-US" altLang="zh-CN" dirty="0"/>
+              <a:t>="</a:t>
+            </a:r>
+            <a:r>
+              <a:rPr lang="en-US" altLang="zh-CN" dirty="0" err="1"/>
+              <a:t>java.util.Calendar</a:t>
+            </a:r>
+            <a:r>
+              <a:rPr lang="en-US" altLang="zh-CN" dirty="0"/>
+              <a:t>" </a:t>
+            </a:r>
+            <a:endParaRPr lang="en-US" altLang="zh-CN" dirty="0" smtClean="0"/>
+          </a:p>
+          <a:p>
+            <a:pPr marL="0" indent="0">
+              <a:buNone/>
+            </a:pPr>
+            <a:r>
+              <a:rPr lang="en-US" altLang="zh-CN" dirty="0"/>
+              <a:t> </a:t>
+            </a:r>
+            <a:r>
+              <a:rPr lang="en-US" altLang="zh-CN" dirty="0" smtClean="0"/>
+              <a:t>    factory-method</a:t>
+            </a:r>
+            <a:r>
+              <a:rPr lang="en-US" altLang="zh-CN" dirty="0"/>
+              <a:t>="</a:t>
+            </a:r>
+            <a:r>
+              <a:rPr lang="en-US" altLang="zh-CN" dirty="0" err="1"/>
+              <a:t>getInstance</a:t>
+            </a:r>
+            <a:r>
+              <a:rPr lang="en-US" altLang="zh-CN" dirty="0" smtClean="0"/>
+              <a:t>"/&gt;</a:t>
+            </a:r>
+          </a:p>
+          <a:p>
+            <a:pPr marL="0" indent="0">
+              <a:buNone/>
+            </a:pPr>
+            <a:endParaRPr lang="zh-CN" altLang="en-US" dirty="0"/>
+          </a:p>
+        </p:txBody>
+      </p:sp>
+    </p:spTree>
+    <p:extLst>
+      <p:ext uri="{BB962C8B-B14F-4D97-AF65-F5344CB8AC3E}">
+        <p14:creationId xmlns:p14="http://schemas.microsoft.com/office/powerpoint/2010/main" val="3661134106"/>
+      </p:ext>
+    </p:extLst>
+  </p:cSld>
+  <p:clrMapOvr>
+    <a:masterClrMapping/>
+  </p:clrMapOvr>
+</p:sld>
+</file>
+
+<file path=ppt/slides/slide12.xml><?xml version="1.0" encoding="utf-8"?>
+<p:sld xmlns:a="http://schemas.openxmlformats.org/drawingml/2006/main" xmlns:r="http://schemas.openxmlformats.org/officeDocument/2006/relationships" xmlns:p="http://schemas.openxmlformats.org/presentationml/2006/main">
+  <p:cSld>
+    <p:spTree>
+      <p:nvGrpSpPr>
+        <p:cNvPr id="1" name=""/>
+        <p:cNvGrpSpPr/>
+        <p:nvPr/>
+      </p:nvGrpSpPr>
+      <p:grpSpPr>
+        <a:xfrm>
+          <a:off x="0" y="0"/>
+          <a:ext cx="0" cy="0"/>
+          <a:chOff x="0" y="0"/>
+          <a:chExt cx="0" cy="0"/>
+        </a:xfrm>
+      </p:grpSpPr>
+      <p:sp>
+        <p:nvSpPr>
+          <p:cNvPr id="2" name="标题 1"/>
+          <p:cNvSpPr>
+            <a:spLocks noGrp="1"/>
+          </p:cNvSpPr>
+          <p:nvPr>
+            <p:ph type="title"/>
+          </p:nvPr>
+        </p:nvSpPr>
+        <p:spPr/>
+        <p:txBody>
+          <a:bodyPr>
+            <a:normAutofit fontScale="90000"/>
+          </a:bodyPr>
+          <a:lstStyle/>
+          <a:p>
+            <a:r>
+              <a:rPr lang="zh-CN" altLang="en-US" dirty="0" smtClean="0"/>
+              <a:t>依赖注入 </a:t>
+            </a:r>
+            <a:r>
+              <a:rPr lang="en-US" altLang="zh-CN" dirty="0" smtClean="0"/>
+              <a:t>– </a:t>
+            </a:r>
+            <a:r>
+              <a:rPr lang="zh-CN" altLang="en-US" dirty="0" smtClean="0"/>
+              <a:t>构造函数</a:t>
+            </a:r>
+            <a:endParaRPr lang="zh-CN" altLang="en-US" dirty="0"/>
+          </a:p>
+        </p:txBody>
+      </p:sp>
+      <p:sp>
+        <p:nvSpPr>
+          <p:cNvPr id="3" name="内容占位符 2"/>
+          <p:cNvSpPr>
+            <a:spLocks noGrp="1"/>
+          </p:cNvSpPr>
+          <p:nvPr>
+            <p:ph idx="1"/>
+          </p:nvPr>
+        </p:nvSpPr>
+        <p:spPr/>
+        <p:txBody>
+          <a:bodyPr>
+            <a:normAutofit fontScale="85000" lnSpcReduction="20000"/>
+          </a:bodyPr>
+          <a:lstStyle/>
+          <a:p>
+            <a:pPr marL="0" indent="0">
+              <a:buNone/>
+            </a:pPr>
+            <a:endParaRPr lang="en-US" altLang="zh-CN" dirty="0" smtClean="0"/>
+          </a:p>
+          <a:p>
+            <a:pPr marL="0" indent="0">
+              <a:buNone/>
+            </a:pPr>
+            <a:r>
+              <a:rPr lang="en-US" altLang="zh-CN" dirty="0"/>
+              <a:t> &lt;bean name="</a:t>
+            </a:r>
+            <a:r>
+              <a:rPr lang="en-US" altLang="zh-CN" dirty="0" smtClean="0"/>
+              <a:t>employee2“</a:t>
+            </a:r>
+          </a:p>
+          <a:p>
+            <a:pPr marL="0" indent="0">
+              <a:buNone/>
+            </a:pPr>
+            <a:r>
+              <a:rPr lang="en-US" altLang="zh-CN" dirty="0"/>
+              <a:t> </a:t>
+            </a:r>
+            <a:r>
+              <a:rPr lang="en-US" altLang="zh-CN" dirty="0" smtClean="0"/>
+              <a:t>           </a:t>
+            </a:r>
+            <a:r>
+              <a:rPr lang="en-US" altLang="zh-CN" dirty="0"/>
+              <a:t>class="</a:t>
+            </a:r>
+            <a:r>
+              <a:rPr lang="en-US" altLang="zh-CN" dirty="0" err="1"/>
+              <a:t>spring.bean.Employee</a:t>
+            </a:r>
+            <a:r>
+              <a:rPr lang="en-US" altLang="zh-CN" dirty="0"/>
+              <a:t>"&gt;</a:t>
+            </a:r>
+          </a:p>
+          <a:p>
+            <a:pPr marL="0" indent="0">
+              <a:buNone/>
+            </a:pPr>
+            <a:r>
+              <a:rPr lang="en-US" altLang="zh-CN" dirty="0"/>
+              <a:t>        &lt;constructor-</a:t>
+            </a:r>
+            <a:r>
+              <a:rPr lang="en-US" altLang="zh-CN" dirty="0" err="1"/>
+              <a:t>arg</a:t>
+            </a:r>
+            <a:r>
+              <a:rPr lang="en-US" altLang="zh-CN" dirty="0"/>
+              <a:t> name="</a:t>
+            </a:r>
+            <a:r>
+              <a:rPr lang="en-US" altLang="zh-CN" dirty="0" err="1"/>
+              <a:t>firstName</a:t>
+            </a:r>
+            <a:r>
+              <a:rPr lang="en-US" altLang="zh-CN" dirty="0"/>
+              <a:t>" </a:t>
+            </a:r>
+            <a:endParaRPr lang="en-US" altLang="zh-CN" dirty="0" smtClean="0"/>
+          </a:p>
+          <a:p>
+            <a:pPr marL="0" indent="0">
+              <a:buNone/>
+            </a:pPr>
+            <a:r>
+              <a:rPr lang="en-US" altLang="zh-CN" dirty="0"/>
+              <a:t> </a:t>
+            </a:r>
+            <a:r>
+              <a:rPr lang="en-US" altLang="zh-CN" dirty="0" smtClean="0"/>
+              <a:t>                                   value</a:t>
+            </a:r>
+            <a:r>
+              <a:rPr lang="en-US" altLang="zh-CN" dirty="0"/>
+              <a:t>="Senior"/&gt;</a:t>
+            </a:r>
+          </a:p>
+          <a:p>
+            <a:pPr marL="0" indent="0">
+              <a:buNone/>
+            </a:pPr>
+            <a:r>
+              <a:rPr lang="en-US" altLang="zh-CN" dirty="0"/>
+              <a:t>        &lt;constructor-</a:t>
+            </a:r>
+            <a:r>
+              <a:rPr lang="en-US" altLang="zh-CN" dirty="0" err="1"/>
+              <a:t>arg</a:t>
+            </a:r>
+            <a:r>
+              <a:rPr lang="en-US" altLang="zh-CN" dirty="0"/>
+              <a:t> name="</a:t>
+            </a:r>
+            <a:r>
+              <a:rPr lang="en-US" altLang="zh-CN" dirty="0" err="1"/>
+              <a:t>lastName</a:t>
+            </a:r>
+            <a:r>
+              <a:rPr lang="en-US" altLang="zh-CN" dirty="0"/>
+              <a:t>" </a:t>
+            </a:r>
+            <a:endParaRPr lang="en-US" altLang="zh-CN" dirty="0" smtClean="0"/>
+          </a:p>
+          <a:p>
+            <a:pPr marL="0" indent="0">
+              <a:buNone/>
+            </a:pPr>
+            <a:r>
+              <a:rPr lang="en-US" altLang="zh-CN" dirty="0"/>
+              <a:t> </a:t>
+            </a:r>
+            <a:r>
+              <a:rPr lang="en-US" altLang="zh-CN" dirty="0" smtClean="0"/>
+              <a:t>                                    value</a:t>
+            </a:r>
+            <a:r>
+              <a:rPr lang="en-US" altLang="zh-CN" dirty="0"/>
+              <a:t>="Moore"/&gt;</a:t>
+            </a:r>
+          </a:p>
+          <a:p>
+            <a:pPr marL="0" indent="0">
+              <a:buNone/>
+            </a:pPr>
+            <a:r>
+              <a:rPr lang="en-US" altLang="zh-CN" dirty="0"/>
+              <a:t>        &lt;constructor-</a:t>
+            </a:r>
+            <a:r>
+              <a:rPr lang="en-US" altLang="zh-CN" dirty="0" err="1"/>
+              <a:t>arg</a:t>
+            </a:r>
+            <a:r>
+              <a:rPr lang="en-US" altLang="zh-CN" dirty="0"/>
+              <a:t> name="</a:t>
+            </a:r>
+            <a:r>
+              <a:rPr lang="en-US" altLang="zh-CN" dirty="0" err="1" smtClean="0"/>
+              <a:t>homeAddress</a:t>
+            </a:r>
+            <a:r>
+              <a:rPr lang="en-US" altLang="zh-CN" dirty="0" smtClean="0"/>
+              <a:t>“</a:t>
+            </a:r>
+          </a:p>
+          <a:p>
+            <a:pPr marL="0" indent="0">
+              <a:buNone/>
+            </a:pPr>
+            <a:r>
+              <a:rPr lang="en-US" altLang="zh-CN" dirty="0"/>
+              <a:t> </a:t>
+            </a:r>
+            <a:r>
+              <a:rPr lang="en-US" altLang="zh-CN" dirty="0" smtClean="0"/>
+              <a:t>                                    </a:t>
+            </a:r>
+            <a:r>
+              <a:rPr lang="en-US" altLang="zh-CN" dirty="0">
+                <a:solidFill>
+                  <a:srgbClr val="FFC000"/>
+                </a:solidFill>
+              </a:rPr>
+              <a:t>ref</a:t>
+            </a:r>
+            <a:r>
+              <a:rPr lang="en-US" altLang="zh-CN" dirty="0"/>
+              <a:t>="</a:t>
+            </a:r>
+            <a:r>
+              <a:rPr lang="en-US" altLang="zh-CN" dirty="0" err="1"/>
+              <a:t>simpleAddress</a:t>
+            </a:r>
+            <a:r>
+              <a:rPr lang="en-US" altLang="zh-CN" dirty="0"/>
+              <a:t>"/&gt;</a:t>
+            </a:r>
+          </a:p>
+          <a:p>
+            <a:pPr marL="0" indent="0">
+              <a:buNone/>
+            </a:pPr>
+            <a:r>
+              <a:rPr lang="en-US" altLang="zh-CN" dirty="0"/>
+              <a:t>    &lt;/bean&gt;</a:t>
+            </a:r>
+            <a:endParaRPr lang="zh-CN" altLang="en-US" dirty="0"/>
+          </a:p>
+        </p:txBody>
+      </p:sp>
+    </p:spTree>
+    <p:extLst>
+      <p:ext uri="{BB962C8B-B14F-4D97-AF65-F5344CB8AC3E}">
+        <p14:creationId xmlns:p14="http://schemas.microsoft.com/office/powerpoint/2010/main" val="2366150805"/>
+      </p:ext>
+    </p:extLst>
+  </p:cSld>
+  <p:clrMapOvr>
+    <a:masterClrMapping/>
+  </p:clrMapOvr>
+</p:sld>
+</file>
+
+<file path=ppt/slides/slide13.xml><?xml version="1.0" encoding="utf-8"?>
+<p:sld xmlns:a="http://schemas.openxmlformats.org/drawingml/2006/main" xmlns:r="http://schemas.openxmlformats.org/officeDocument/2006/relationships" xmlns:p="http://schemas.openxmlformats.org/presentationml/2006/main">
+  <p:cSld>
+    <p:spTree>
+      <p:nvGrpSpPr>
+        <p:cNvPr id="1" name=""/>
+        <p:cNvGrpSpPr/>
+        <p:nvPr/>
+      </p:nvGrpSpPr>
+      <p:grpSpPr>
+        <a:xfrm>
+          <a:off x="0" y="0"/>
+          <a:ext cx="0" cy="0"/>
+          <a:chOff x="0" y="0"/>
+          <a:chExt cx="0" cy="0"/>
+        </a:xfrm>
+      </p:grpSpPr>
+      <p:sp>
+        <p:nvSpPr>
+          <p:cNvPr id="2" name="标题 1"/>
+          <p:cNvSpPr>
+            <a:spLocks noGrp="1"/>
+          </p:cNvSpPr>
+          <p:nvPr>
+            <p:ph type="title"/>
+          </p:nvPr>
+        </p:nvSpPr>
+        <p:spPr/>
+        <p:txBody>
+          <a:bodyPr>
+            <a:normAutofit fontScale="90000"/>
+          </a:bodyPr>
+          <a:lstStyle/>
+          <a:p>
+            <a:r>
+              <a:rPr lang="zh-CN" altLang="en-US" dirty="0"/>
+              <a:t>依赖注入 </a:t>
+            </a:r>
+            <a:r>
+              <a:rPr lang="en-US" altLang="zh-CN" dirty="0"/>
+              <a:t>– </a:t>
+            </a:r>
+            <a:r>
+              <a:rPr lang="en-US" altLang="zh-CN" dirty="0" smtClean="0"/>
+              <a:t>setter</a:t>
+            </a:r>
+            <a:r>
+              <a:rPr lang="zh-CN" altLang="en-US" dirty="0" smtClean="0"/>
+              <a:t>注入</a:t>
+            </a:r>
+            <a:endParaRPr lang="zh-CN" altLang="en-US" dirty="0"/>
+          </a:p>
+        </p:txBody>
+      </p:sp>
+      <p:sp>
+        <p:nvSpPr>
+          <p:cNvPr id="3" name="内容占位符 2"/>
+          <p:cNvSpPr>
+            <a:spLocks noGrp="1"/>
+          </p:cNvSpPr>
+          <p:nvPr>
+            <p:ph idx="1"/>
+          </p:nvPr>
+        </p:nvSpPr>
+        <p:spPr/>
+        <p:txBody>
+          <a:bodyPr>
+            <a:normAutofit fontScale="92500" lnSpcReduction="10000"/>
+          </a:bodyPr>
+          <a:lstStyle/>
+          <a:p>
+            <a:pPr marL="0" indent="0">
+              <a:buNone/>
+            </a:pPr>
+            <a:r>
+              <a:rPr lang="en-US" altLang="zh-CN" dirty="0"/>
+              <a:t> &lt;bean name="</a:t>
+            </a:r>
+            <a:r>
+              <a:rPr lang="en-US" altLang="zh-CN" dirty="0" smtClean="0"/>
+              <a:t>employee1“</a:t>
+            </a:r>
+          </a:p>
+          <a:p>
+            <a:pPr marL="0" indent="0">
+              <a:buNone/>
+            </a:pPr>
+            <a:r>
+              <a:rPr lang="en-US" altLang="zh-CN" dirty="0"/>
+              <a:t> </a:t>
+            </a:r>
+            <a:r>
+              <a:rPr lang="en-US" altLang="zh-CN" dirty="0" smtClean="0"/>
+              <a:t>           </a:t>
+            </a:r>
+            <a:r>
+              <a:rPr lang="en-US" altLang="zh-CN" dirty="0"/>
+              <a:t>class="</a:t>
+            </a:r>
+            <a:r>
+              <a:rPr lang="en-US" altLang="zh-CN" dirty="0" err="1"/>
+              <a:t>spring.bean.Employee</a:t>
+            </a:r>
+            <a:r>
+              <a:rPr lang="en-US" altLang="zh-CN" dirty="0"/>
+              <a:t>"&gt;</a:t>
+            </a:r>
+          </a:p>
+          <a:p>
+            <a:pPr marL="0" indent="0">
+              <a:buNone/>
+            </a:pPr>
+            <a:r>
+              <a:rPr lang="en-US" altLang="zh-CN" dirty="0" smtClean="0"/>
+              <a:t>       &lt;</a:t>
+            </a:r>
+            <a:r>
+              <a:rPr lang="en-US" altLang="zh-CN" dirty="0"/>
+              <a:t>property name="</a:t>
+            </a:r>
+            <a:r>
+              <a:rPr lang="en-US" altLang="zh-CN" dirty="0" err="1"/>
+              <a:t>firstName</a:t>
+            </a:r>
+            <a:r>
+              <a:rPr lang="en-US" altLang="zh-CN" dirty="0"/>
+              <a:t>" </a:t>
+            </a:r>
+            <a:endParaRPr lang="en-US" altLang="zh-CN" dirty="0" smtClean="0"/>
+          </a:p>
+          <a:p>
+            <a:pPr marL="0" indent="0">
+              <a:buNone/>
+            </a:pPr>
+            <a:r>
+              <a:rPr lang="en-US" altLang="zh-CN" dirty="0"/>
+              <a:t> </a:t>
+            </a:r>
+            <a:r>
+              <a:rPr lang="en-US" altLang="zh-CN" dirty="0" smtClean="0"/>
+              <a:t>                         value</a:t>
+            </a:r>
+            <a:r>
+              <a:rPr lang="en-US" altLang="zh-CN" dirty="0"/>
+              <a:t>="Junior"/&gt;</a:t>
+            </a:r>
+          </a:p>
+          <a:p>
+            <a:pPr marL="0" indent="0">
+              <a:buNone/>
+            </a:pPr>
+            <a:r>
+              <a:rPr lang="en-US" altLang="zh-CN" dirty="0"/>
+              <a:t>        &lt;property name="</a:t>
+            </a:r>
+            <a:r>
+              <a:rPr lang="en-US" altLang="zh-CN" dirty="0" err="1"/>
+              <a:t>lastName</a:t>
+            </a:r>
+            <a:r>
+              <a:rPr lang="en-US" altLang="zh-CN" dirty="0"/>
+              <a:t>" </a:t>
+            </a:r>
+            <a:endParaRPr lang="en-US" altLang="zh-CN" dirty="0" smtClean="0"/>
+          </a:p>
+          <a:p>
+            <a:pPr marL="0" indent="0">
+              <a:buNone/>
+            </a:pPr>
+            <a:r>
+              <a:rPr lang="en-US" altLang="zh-CN" dirty="0"/>
+              <a:t> </a:t>
+            </a:r>
+            <a:r>
+              <a:rPr lang="en-US" altLang="zh-CN" dirty="0" smtClean="0"/>
+              <a:t>                         value</a:t>
+            </a:r>
+            <a:r>
+              <a:rPr lang="en-US" altLang="zh-CN" dirty="0"/>
+              <a:t>="Moore"/&gt;</a:t>
+            </a:r>
+          </a:p>
+          <a:p>
+            <a:pPr marL="0" indent="0">
+              <a:buNone/>
+            </a:pPr>
+            <a:r>
+              <a:rPr lang="en-US" altLang="zh-CN" dirty="0" smtClean="0"/>
+              <a:t>        </a:t>
+            </a:r>
+            <a:r>
+              <a:rPr lang="en-US" altLang="zh-CN" dirty="0"/>
+              <a:t>&lt;property name="</a:t>
+            </a:r>
+            <a:r>
+              <a:rPr lang="en-US" altLang="zh-CN" dirty="0" err="1"/>
+              <a:t>homeAddress</a:t>
+            </a:r>
+            <a:r>
+              <a:rPr lang="en-US" altLang="zh-CN" dirty="0"/>
+              <a:t>" </a:t>
+            </a:r>
+          </a:p>
+          <a:p>
+            <a:pPr marL="0" indent="0">
+              <a:buNone/>
+            </a:pPr>
+            <a:r>
+              <a:rPr lang="en-US" altLang="zh-CN" dirty="0"/>
+              <a:t>                         </a:t>
+            </a:r>
+            <a:r>
+              <a:rPr lang="en-US" altLang="zh-CN" dirty="0">
+                <a:solidFill>
+                  <a:srgbClr val="FFC000"/>
+                </a:solidFill>
+              </a:rPr>
+              <a:t>ref</a:t>
+            </a:r>
+            <a:r>
+              <a:rPr lang="en-US" altLang="zh-CN" dirty="0"/>
+              <a:t>="</a:t>
+            </a:r>
+            <a:r>
+              <a:rPr lang="en-US" altLang="zh-CN" dirty="0" err="1"/>
+              <a:t>simpleAddress</a:t>
+            </a:r>
+            <a:r>
+              <a:rPr lang="en-US" altLang="zh-CN" dirty="0"/>
+              <a:t>"/&gt;</a:t>
+            </a:r>
+            <a:r>
+              <a:rPr lang="en-US" altLang="zh-CN" dirty="0" smtClean="0"/>
+              <a:t>    </a:t>
+            </a:r>
+            <a:r>
+              <a:rPr lang="en-US" altLang="zh-CN" dirty="0"/>
+              <a:t>&lt;/bean&gt;</a:t>
+            </a:r>
+            <a:endParaRPr lang="zh-CN" altLang="en-US" dirty="0"/>
+          </a:p>
+        </p:txBody>
+      </p:sp>
+    </p:spTree>
+    <p:extLst>
+      <p:ext uri="{BB962C8B-B14F-4D97-AF65-F5344CB8AC3E}">
+        <p14:creationId xmlns:p14="http://schemas.microsoft.com/office/powerpoint/2010/main" val="2208240331"/>
+      </p:ext>
+    </p:extLst>
+  </p:cSld>
+  <p:clrMapOvr>
+    <a:masterClrMapping/>
+  </p:clrMapOvr>
+</p:sld>
+</file>
+
+<file path=ppt/slides/slide14.xml><?xml version="1.0" encoding="utf-8"?>
+<p:sld xmlns:a="http://schemas.openxmlformats.org/drawingml/2006/main" xmlns:r="http://schemas.openxmlformats.org/officeDocument/2006/relationships" xmlns:p="http://schemas.openxmlformats.org/presentationml/2006/main">
+  <p:cSld>
+    <p:spTree>
+      <p:nvGrpSpPr>
+        <p:cNvPr id="1" name=""/>
+        <p:cNvGrpSpPr/>
+        <p:nvPr/>
+      </p:nvGrpSpPr>
+      <p:grpSpPr>
+        <a:xfrm>
+          <a:off x="0" y="0"/>
+          <a:ext cx="0" cy="0"/>
+          <a:chOff x="0" y="0"/>
+          <a:chExt cx="0" cy="0"/>
+        </a:xfrm>
+      </p:grpSpPr>
+      <p:sp>
+        <p:nvSpPr>
+          <p:cNvPr id="2" name="标题 1"/>
+          <p:cNvSpPr>
+            <a:spLocks noGrp="1"/>
+          </p:cNvSpPr>
+          <p:nvPr>
+            <p:ph type="title"/>
+          </p:nvPr>
+        </p:nvSpPr>
+        <p:spPr/>
+        <p:txBody>
+          <a:bodyPr>
+            <a:normAutofit fontScale="90000"/>
+          </a:bodyPr>
+          <a:lstStyle/>
+          <a:p>
+            <a:r>
+              <a:rPr lang="en-US" altLang="zh-CN" dirty="0" smtClean="0"/>
+              <a:t>Spring Context</a:t>
+            </a:r>
+            <a:endParaRPr lang="zh-CN" altLang="en-US" dirty="0"/>
+          </a:p>
+        </p:txBody>
+      </p:sp>
+      <p:sp>
+        <p:nvSpPr>
+          <p:cNvPr id="3" name="内容占位符 2"/>
+          <p:cNvSpPr>
+            <a:spLocks noGrp="1"/>
+          </p:cNvSpPr>
+          <p:nvPr>
+            <p:ph idx="1"/>
+          </p:nvPr>
+        </p:nvSpPr>
+        <p:spPr/>
+        <p:txBody>
+          <a:bodyPr/>
+          <a:lstStyle/>
+          <a:p>
+            <a:r>
+              <a:rPr lang="zh-CN" altLang="en-US" dirty="0"/>
+              <a:t>构造一个</a:t>
+            </a:r>
+            <a:r>
+              <a:rPr lang="en-US" altLang="zh-CN" dirty="0"/>
+              <a:t>context</a:t>
+            </a:r>
+            <a:r>
+              <a:rPr lang="zh-CN" altLang="en-US" dirty="0"/>
+              <a:t>，即容器或环境</a:t>
+            </a:r>
+          </a:p>
+          <a:p>
+            <a:pPr marL="0" indent="0">
+              <a:buNone/>
+            </a:pPr>
+            <a:endParaRPr lang="en-US" altLang="zh-CN" dirty="0" smtClean="0"/>
+          </a:p>
+          <a:p>
+            <a:pPr marL="0" indent="0">
+              <a:buNone/>
+            </a:pPr>
+            <a:r>
+              <a:rPr lang="en-US" altLang="zh-CN" dirty="0"/>
+              <a:t> </a:t>
+            </a:r>
+            <a:r>
+              <a:rPr lang="en-US" altLang="zh-CN" sz="2800" dirty="0" err="1"/>
+              <a:t>ApplicationContext</a:t>
+            </a:r>
+            <a:r>
+              <a:rPr lang="en-US" altLang="zh-CN" sz="2800" dirty="0"/>
+              <a:t> context =</a:t>
+            </a:r>
+          </a:p>
+          <a:p>
+            <a:pPr marL="0" indent="0">
+              <a:buNone/>
+            </a:pPr>
+            <a:r>
+              <a:rPr lang="en-US" altLang="zh-CN" sz="2800" dirty="0"/>
+              <a:t>           new </a:t>
+            </a:r>
+            <a:r>
+              <a:rPr lang="en-US" altLang="zh-CN" sz="2800" dirty="0" err="1"/>
+              <a:t>ClassPathXmlApplicationContext</a:t>
+            </a:r>
+            <a:r>
+              <a:rPr lang="en-US" altLang="zh-CN" sz="2800" dirty="0"/>
+              <a:t>(</a:t>
+            </a:r>
+          </a:p>
+          <a:p>
+            <a:pPr marL="0" indent="0">
+              <a:buNone/>
+            </a:pPr>
+            <a:r>
+              <a:rPr lang="en-US" altLang="zh-CN" sz="2800" dirty="0"/>
+              <a:t>                     new String[] {"spring-config.xml"});</a:t>
+            </a:r>
+          </a:p>
+          <a:p>
+            <a:pPr marL="0" indent="0">
+              <a:buNone/>
+            </a:pPr>
+            <a:endParaRPr lang="zh-CN" altLang="en-US" dirty="0"/>
+          </a:p>
+        </p:txBody>
+      </p:sp>
+    </p:spTree>
+    <p:extLst>
+      <p:ext uri="{BB962C8B-B14F-4D97-AF65-F5344CB8AC3E}">
+        <p14:creationId xmlns:p14="http://schemas.microsoft.com/office/powerpoint/2010/main" val="4117967712"/>
+      </p:ext>
+    </p:extLst>
+  </p:cSld>
+  <p:clrMapOvr>
+    <a:masterClrMapping/>
+  </p:clrMapOvr>
+</p:sld>
+</file>
+
+<file path=ppt/slides/slide15.xml><?xml version="1.0" encoding="utf-8"?>
+<p:sld xmlns:a="http://schemas.openxmlformats.org/drawingml/2006/main" xmlns:r="http://schemas.openxmlformats.org/officeDocument/2006/relationships" xmlns:p="http://schemas.openxmlformats.org/presentationml/2006/main">
+  <p:cSld>
+    <p:spTree>
+      <p:nvGrpSpPr>
+        <p:cNvPr id="1" name=""/>
+        <p:cNvGrpSpPr/>
+        <p:nvPr/>
+      </p:nvGrpSpPr>
+      <p:grpSpPr>
+        <a:xfrm>
+          <a:off x="0" y="0"/>
+          <a:ext cx="0" cy="0"/>
+          <a:chOff x="0" y="0"/>
+          <a:chExt cx="0" cy="0"/>
+        </a:xfrm>
+      </p:grpSpPr>
+      <p:sp>
+        <p:nvSpPr>
+          <p:cNvPr id="2" name="标题 1"/>
+          <p:cNvSpPr>
+            <a:spLocks noGrp="1"/>
+          </p:cNvSpPr>
+          <p:nvPr>
+            <p:ph type="title"/>
+          </p:nvPr>
+        </p:nvSpPr>
+        <p:spPr/>
+        <p:txBody>
+          <a:bodyPr>
+            <a:normAutofit fontScale="90000"/>
+          </a:bodyPr>
+          <a:lstStyle/>
+          <a:p>
+            <a:r>
+              <a:rPr lang="zh-CN" altLang="en-US" dirty="0" smtClean="0"/>
+              <a:t>访问</a:t>
+            </a:r>
+            <a:r>
+              <a:rPr lang="en-US" altLang="zh-CN" dirty="0" smtClean="0"/>
+              <a:t>Bean</a:t>
+            </a:r>
+            <a:endParaRPr lang="zh-CN" altLang="en-US" dirty="0"/>
+          </a:p>
+        </p:txBody>
+      </p:sp>
+      <p:sp>
+        <p:nvSpPr>
+          <p:cNvPr id="3" name="内容占位符 2"/>
+          <p:cNvSpPr>
+            <a:spLocks noGrp="1"/>
+          </p:cNvSpPr>
+          <p:nvPr>
+            <p:ph idx="1"/>
+          </p:nvPr>
+        </p:nvSpPr>
+        <p:spPr>
+          <a:xfrm>
+            <a:off x="179512" y="1600200"/>
+            <a:ext cx="8856984" cy="4525963"/>
+          </a:xfrm>
+        </p:spPr>
+        <p:txBody>
+          <a:bodyPr/>
+          <a:lstStyle/>
+          <a:p>
+            <a:endParaRPr lang="en-US" altLang="zh-CN" dirty="0" smtClean="0"/>
+          </a:p>
+          <a:p>
+            <a:pPr marL="0" indent="0">
+              <a:buNone/>
+            </a:pPr>
+            <a:r>
+              <a:rPr lang="en-US" altLang="zh-CN" dirty="0"/>
+              <a:t> </a:t>
+            </a:r>
+            <a:r>
+              <a:rPr lang="en-US" altLang="zh-CN" sz="2400" dirty="0" err="1"/>
+              <a:t>ApplicationContext</a:t>
+            </a:r>
+            <a:r>
+              <a:rPr lang="en-US" altLang="zh-CN" sz="2400" dirty="0"/>
+              <a:t> context =</a:t>
+            </a:r>
+          </a:p>
+          <a:p>
+            <a:pPr marL="0" indent="0">
+              <a:buNone/>
+            </a:pPr>
+            <a:r>
+              <a:rPr lang="en-US" altLang="zh-CN" sz="2400" dirty="0"/>
+              <a:t>      </a:t>
+            </a:r>
+            <a:r>
+              <a:rPr lang="en-US" altLang="zh-CN" sz="2400" dirty="0" smtClean="0"/>
+              <a:t>     </a:t>
+            </a:r>
+            <a:r>
+              <a:rPr lang="en-US" altLang="zh-CN" sz="2400" dirty="0"/>
+              <a:t>new </a:t>
+            </a:r>
+            <a:r>
+              <a:rPr lang="en-US" altLang="zh-CN" sz="2400" dirty="0" err="1"/>
+              <a:t>ClassPathXmlApplicationContext</a:t>
+            </a:r>
+            <a:r>
+              <a:rPr lang="en-US" altLang="zh-CN" sz="2400" dirty="0" smtClean="0"/>
+              <a:t>(</a:t>
+            </a:r>
+          </a:p>
+          <a:p>
+            <a:pPr marL="0" indent="0">
+              <a:buNone/>
+            </a:pPr>
+            <a:r>
+              <a:rPr lang="en-US" altLang="zh-CN" sz="2400" dirty="0"/>
+              <a:t> </a:t>
+            </a:r>
+            <a:r>
+              <a:rPr lang="en-US" altLang="zh-CN" sz="2400" dirty="0" smtClean="0"/>
+              <a:t>                    new </a:t>
+            </a:r>
+            <a:r>
+              <a:rPr lang="en-US" altLang="zh-CN" sz="2400" dirty="0"/>
+              <a:t>String[] {"spring-config.xml"});</a:t>
+            </a:r>
+          </a:p>
+          <a:p>
+            <a:pPr marL="0" indent="0">
+              <a:buNone/>
+            </a:pPr>
+            <a:r>
+              <a:rPr lang="en-US" altLang="zh-CN" sz="2400" dirty="0" smtClean="0"/>
+              <a:t>Product </a:t>
+            </a:r>
+            <a:r>
+              <a:rPr lang="en-US" altLang="zh-CN" sz="2400" dirty="0"/>
+              <a:t>product1 </a:t>
+            </a:r>
+            <a:r>
+              <a:rPr lang="en-US" altLang="zh-CN" sz="2400" dirty="0" smtClean="0"/>
+              <a:t>=</a:t>
+            </a:r>
+          </a:p>
+          <a:p>
+            <a:pPr marL="0" indent="0">
+              <a:buNone/>
+            </a:pPr>
+            <a:r>
+              <a:rPr lang="en-US" altLang="zh-CN" sz="2400" dirty="0"/>
+              <a:t> </a:t>
+            </a:r>
+            <a:r>
+              <a:rPr lang="en-US" altLang="zh-CN" sz="2400" dirty="0" smtClean="0"/>
+              <a:t>      </a:t>
+            </a:r>
+            <a:r>
+              <a:rPr lang="en-US" altLang="zh-CN" sz="2400" dirty="0" err="1"/>
+              <a:t>context.getBean</a:t>
+            </a:r>
+            <a:r>
+              <a:rPr lang="en-US" altLang="zh-CN" sz="2400" dirty="0"/>
+              <a:t>("product", </a:t>
+            </a:r>
+            <a:r>
+              <a:rPr lang="en-US" altLang="zh-CN" sz="2400" dirty="0" err="1"/>
+              <a:t>Product.class</a:t>
+            </a:r>
+            <a:r>
+              <a:rPr lang="en-US" altLang="zh-CN" sz="2400" dirty="0"/>
+              <a:t>);</a:t>
+            </a:r>
+            <a:endParaRPr lang="zh-CN" altLang="en-US" sz="2400" dirty="0"/>
+          </a:p>
+        </p:txBody>
+      </p:sp>
+    </p:spTree>
+    <p:extLst>
+      <p:ext uri="{BB962C8B-B14F-4D97-AF65-F5344CB8AC3E}">
+        <p14:creationId xmlns:p14="http://schemas.microsoft.com/office/powerpoint/2010/main" val="3079371112"/>
+      </p:ext>
+    </p:extLst>
+  </p:cSld>
+  <p:clrMapOvr>
+    <a:masterClrMapping/>
+  </p:clrMapOvr>
+</p:sld>
+</file>
+
+<file path=ppt/slides/slide16.xml><?xml version="1.0" encoding="utf-8"?>
+<p:sld xmlns:a="http://schemas.openxmlformats.org/drawingml/2006/main" xmlns:r="http://schemas.openxmlformats.org/officeDocument/2006/relationships" xmlns:p="http://schemas.openxmlformats.org/presentationml/2006/main">
+  <p:cSld>
+    <p:spTree>
+      <p:nvGrpSpPr>
+        <p:cNvPr id="1" name=""/>
+        <p:cNvGrpSpPr/>
+        <p:nvPr/>
+      </p:nvGrpSpPr>
+      <p:grpSpPr>
+        <a:xfrm>
+          <a:off x="0" y="0"/>
+          <a:ext cx="0" cy="0"/>
+          <a:chOff x="0" y="0"/>
+          <a:chExt cx="0" cy="0"/>
+        </a:xfrm>
+      </p:grpSpPr>
+      <p:sp>
+        <p:nvSpPr>
+          <p:cNvPr id="2" name="标题 1"/>
+          <p:cNvSpPr>
+            <a:spLocks noGrp="1"/>
+          </p:cNvSpPr>
+          <p:nvPr>
+            <p:ph type="title"/>
+          </p:nvPr>
+        </p:nvSpPr>
+        <p:spPr/>
+        <p:txBody>
+          <a:bodyPr>
+            <a:normAutofit fontScale="90000"/>
+          </a:bodyPr>
+          <a:lstStyle/>
+          <a:p>
+            <a:r>
+              <a:rPr lang="en-US" altLang="zh-CN" dirty="0" smtClean="0"/>
+              <a:t>Spring</a:t>
+            </a:r>
+            <a:r>
+              <a:rPr lang="zh-CN" altLang="en-US" dirty="0"/>
+              <a:t>容器</a:t>
+            </a:r>
+          </a:p>
+        </p:txBody>
+      </p:sp>
+      <p:sp>
+        <p:nvSpPr>
+          <p:cNvPr id="3" name="内容占位符 2"/>
+          <p:cNvSpPr>
+            <a:spLocks noGrp="1"/>
+          </p:cNvSpPr>
+          <p:nvPr>
+            <p:ph idx="1"/>
+          </p:nvPr>
+        </p:nvSpPr>
+        <p:spPr/>
+        <p:txBody>
+          <a:bodyPr/>
+          <a:lstStyle/>
+          <a:p>
+            <a:endParaRPr lang="zh-CN" altLang="en-US"/>
+          </a:p>
+        </p:txBody>
+      </p:sp>
+      <p:pic>
+        <p:nvPicPr>
+          <p:cNvPr id="2050" name="Picture 2"/>
+          <p:cNvPicPr>
+            <a:picLocks noChangeAspect="1" noChangeArrowheads="1"/>
+          </p:cNvPicPr>
+          <p:nvPr/>
+        </p:nvPicPr>
+        <p:blipFill>
+          <a:blip r:embed="rId2">
+            <a:extLst>
+              <a:ext uri="{28A0092B-C50C-407E-A947-70E740481C1C}">
+                <a14:useLocalDpi xmlns:a14="http://schemas.microsoft.com/office/drawing/2010/main" val="0"/>
+              </a:ext>
+            </a:extLst>
+          </a:blip>
+          <a:srcRect/>
+          <a:stretch>
+            <a:fillRect/>
+          </a:stretch>
+        </p:blipFill>
+        <p:spPr bwMode="auto">
+          <a:xfrm>
+            <a:off x="1907704" y="1700808"/>
+            <a:ext cx="5844108" cy="4011416"/>
+          </a:xfrm>
+          <a:prstGeom prst="rect">
+            <a:avLst/>
+          </a:prstGeom>
+          <a:noFill/>
+          <a:ln>
+            <a:noFill/>
+          </a:ln>
+          <a:effectLst/>
+          <a:extLst>
+            <a:ext uri="{909E8E84-426E-40DD-AFC4-6F175D3DCCD1}">
+              <a14:hiddenFill xmlns:a14="http://schemas.microsoft.com/office/drawing/2010/main">
+                <a:solidFill>
+                  <a:schemeClr val="accent1"/>
+                </a:solidFill>
+              </a14:hiddenFill>
+            </a:ext>
+            <a:ext uri="{91240B29-F687-4F45-9708-019B960494DF}">
+              <a14:hiddenLine xmlns:a14="http://schemas.microsoft.com/office/drawing/2010/main" w="9525">
+                <a:solidFill>
+                  <a:schemeClr val="tx1"/>
+                </a:solidFill>
+                <a:miter lim="800000"/>
+                <a:headEnd/>
+                <a:tailEnd/>
+              </a14:hiddenLine>
+            </a:ext>
+            <a:ext uri="{AF507438-7753-43E0-B8FC-AC1667EBCBE1}">
+              <a14:hiddenEffects xmlns:a14="http://schemas.microsoft.com/office/drawing/2010/main">
+                <a:effectLst>
+                  <a:outerShdw dist="35921" dir="2700000" algn="ctr" rotWithShape="0">
+                    <a:schemeClr val="bg2"/>
+                  </a:outerShdw>
+                </a:effectLst>
+              </a14:hiddenEffects>
+            </a:ext>
+          </a:extLst>
+        </p:spPr>
+      </p:pic>
+    </p:spTree>
+    <p:extLst>
+      <p:ext uri="{BB962C8B-B14F-4D97-AF65-F5344CB8AC3E}">
+        <p14:creationId xmlns:p14="http://schemas.microsoft.com/office/powerpoint/2010/main" val="1801224363"/>
+      </p:ext>
+    </p:extLst>
+  </p:cSld>
+  <p:clrMapOvr>
+    <a:masterClrMapping/>
+  </p:clrMapOvr>
+  <p:timing>
+    <p:tnLst>
+      <p:par>
+        <p:cTn id="1" dur="indefinite" restart="never" nodeType="tmRoot"/>
+      </p:par>
+    </p:tnLst>
+  </p:timing>
+</p:sld>
+</file>
+
+<file path=ppt/slides/slide17.xml><?xml version="1.0" encoding="utf-8"?>
+<p:sld xmlns:a="http://schemas.openxmlformats.org/drawingml/2006/main" xmlns:r="http://schemas.openxmlformats.org/officeDocument/2006/relationships" xmlns:p="http://schemas.openxmlformats.org/presentationml/2006/main">
+  <p:cSld>
+    <p:spTree>
+      <p:nvGrpSpPr>
+        <p:cNvPr id="1" name=""/>
+        <p:cNvGrpSpPr/>
+        <p:nvPr/>
+      </p:nvGrpSpPr>
+      <p:grpSpPr>
+        <a:xfrm>
+          <a:off x="0" y="0"/>
+          <a:ext cx="0" cy="0"/>
+          <a:chOff x="0" y="0"/>
+          <a:chExt cx="0" cy="0"/>
+        </a:xfrm>
+      </p:grpSpPr>
+      <p:sp>
+        <p:nvSpPr>
+          <p:cNvPr id="2" name="标题 1"/>
+          <p:cNvSpPr>
+            <a:spLocks noGrp="1"/>
+          </p:cNvSpPr>
+          <p:nvPr>
+            <p:ph type="title"/>
+          </p:nvPr>
+        </p:nvSpPr>
+        <p:spPr/>
+        <p:txBody>
+          <a:bodyPr>
+            <a:normAutofit fontScale="90000"/>
+          </a:bodyPr>
+          <a:lstStyle/>
+          <a:p>
+            <a:r>
+              <a:rPr lang="en-US" altLang="zh-CN" dirty="0" smtClean="0"/>
+              <a:t>Spring AOP</a:t>
+            </a:r>
+            <a:endParaRPr lang="zh-CN" altLang="en-US" dirty="0"/>
+          </a:p>
+        </p:txBody>
+      </p:sp>
+      <p:sp>
+        <p:nvSpPr>
+          <p:cNvPr id="3" name="内容占位符 2"/>
+          <p:cNvSpPr>
+            <a:spLocks noGrp="1"/>
+          </p:cNvSpPr>
+          <p:nvPr>
+            <p:ph idx="1"/>
+          </p:nvPr>
+        </p:nvSpPr>
+        <p:spPr/>
+        <p:txBody>
+          <a:bodyPr/>
+          <a:lstStyle/>
+          <a:p>
+            <a:endParaRPr lang="zh-CN" altLang="en-US"/>
+          </a:p>
+        </p:txBody>
+      </p:sp>
+    </p:spTree>
+    <p:extLst>
+      <p:ext uri="{BB962C8B-B14F-4D97-AF65-F5344CB8AC3E}">
+        <p14:creationId xmlns:p14="http://schemas.microsoft.com/office/powerpoint/2010/main" val="3415872808"/>
+      </p:ext>
+    </p:extLst>
+  </p:cSld>
+  <p:clrMapOvr>
+    <a:masterClrMapping/>
+  </p:clrMapOvr>
+</p:sld>
+</file>
+
+<file path=ppt/slides/slide18.xml><?xml version="1.0" encoding="utf-8"?>
+<p:sld xmlns:a="http://schemas.openxmlformats.org/drawingml/2006/main" xmlns:r="http://schemas.openxmlformats.org/officeDocument/2006/relationships" xmlns:p="http://schemas.openxmlformats.org/presentationml/2006/main">
+  <p:cSld>
+    <p:spTree>
+      <p:nvGrpSpPr>
+        <p:cNvPr id="1" name=""/>
+        <p:cNvGrpSpPr/>
+        <p:nvPr/>
+      </p:nvGrpSpPr>
+      <p:grpSpPr>
+        <a:xfrm>
+          <a:off x="0" y="0"/>
+          <a:ext cx="0" cy="0"/>
+          <a:chOff x="0" y="0"/>
+          <a:chExt cx="0" cy="0"/>
+        </a:xfrm>
+      </p:grpSpPr>
+    </p:spTree>
+    <p:extLst>
+      <p:ext uri="{BB962C8B-B14F-4D97-AF65-F5344CB8AC3E}">
+        <p14:creationId xmlns:p14="http://schemas.microsoft.com/office/powerpoint/2010/main" val="3418871224"/>
       </p:ext>
     </p:extLst>
   </p:cSld>
@@ -39793,7 +41326,11 @@
           </a:bodyPr>
           <a:lstStyle/>
           <a:p>
-            <a:endParaRPr lang="zh-CN" altLang="en-US"/>
+            <a:r>
+              <a:rPr lang="en-US" altLang="zh-CN" dirty="0" err="1" smtClean="0"/>
+              <a:t>SpringFramework</a:t>
+            </a:r>
+            <a:endParaRPr lang="zh-CN" altLang="en-US" dirty="0"/>
           </a:p>
         </p:txBody>
       </p:sp>
@@ -39816,6 +41353,70 @@
           </a:p>
         </p:txBody>
       </p:sp>
+      <p:pic>
+        <p:nvPicPr>
+          <p:cNvPr id="1027" name="Picture 3"/>
+          <p:cNvPicPr>
+            <a:picLocks noChangeAspect="1" noChangeArrowheads="1"/>
+          </p:cNvPicPr>
+          <p:nvPr/>
+        </p:nvPicPr>
+        <p:blipFill>
+          <a:blip r:embed="rId2">
+            <a:extLst>
+              <a:ext uri="{28A0092B-C50C-407E-A947-70E740481C1C}">
+                <a14:useLocalDpi xmlns:a14="http://schemas.microsoft.com/office/drawing/2010/main" val="0"/>
+              </a:ext>
+            </a:extLst>
+          </a:blip>
+          <a:srcRect/>
+          <a:stretch>
+            <a:fillRect/>
+          </a:stretch>
+        </p:blipFill>
+        <p:spPr bwMode="auto">
+          <a:xfrm>
+            <a:off x="899591" y="1628800"/>
+            <a:ext cx="7615379" cy="4392488"/>
+          </a:xfrm>
+          <a:prstGeom prst="rect">
+            <a:avLst/>
+          </a:prstGeom>
+          <a:noFill/>
+          <a:ln>
+            <a:noFill/>
+          </a:ln>
+          <a:effectLst/>
+          <a:extLst>
+            <a:ext uri="{909E8E84-426E-40DD-AFC4-6F175D3DCCD1}">
+              <a14:hiddenFill xmlns:a14="http://schemas.microsoft.com/office/drawing/2010/main">
+                <a:solidFill>
+                  <a:schemeClr val="accent1"/>
+                </a:solidFill>
+              </a14:hiddenFill>
+            </a:ext>
+            <a:ext uri="{91240B29-F687-4F45-9708-019B960494DF}">
+              <a14:hiddenLine xmlns:a14="http://schemas.microsoft.com/office/drawing/2010/main" w="9525">
+                <a:solidFill>
+                  <a:schemeClr val="tx1"/>
+                </a:solidFill>
+                <a:miter lim="800000"/>
+                <a:headEnd/>
+                <a:tailEnd/>
+              </a14:hiddenLine>
+            </a:ext>
+            <a:ext uri="{AF507438-7753-43E0-B8FC-AC1667EBCBE1}">
+              <a14:hiddenEffects xmlns:a14="http://schemas.microsoft.com/office/drawing/2010/main">
+                <a:effectLst>
+                  <a:outerShdw dist="35921" dir="2700000" algn="ctr" rotWithShape="0">
+                    <a:schemeClr val="bg2"/>
+                  </a:outerShdw>
+                </a:effectLst>
+              </a14:hiddenEffects>
+            </a:ext>
+          </a:extLst>
+        </p:spPr>
+      </p:pic>
     </p:spTree>
     <p:extLst>
       <p:ext uri="{BB962C8B-B14F-4D97-AF65-F5344CB8AC3E}">
@@ -39826,6 +41427,13 @@
   <p:clrMapOvr>
     <a:masterClrMapping/>
   </p:clrMapOvr>
+  <p:timing>
+    <p:tnLst>
+      <p:par>
+        <p:cTn id="1" dur="indefinite" restart="never" nodeType="tmRoot"/>
+      </p:par>
+    </p:tnLst>
+  </p:timing>
 </p:sld>
 </file>
 
@@ -39846,10 +41454,1042 @@
           <a:chExt cx="0" cy="0"/>
         </a:xfrm>
       </p:grpSpPr>
+      <p:sp>
+        <p:nvSpPr>
+          <p:cNvPr id="2" name="标题 1"/>
+          <p:cNvSpPr>
+            <a:spLocks noGrp="1"/>
+          </p:cNvSpPr>
+          <p:nvPr>
+            <p:ph type="title"/>
+          </p:nvPr>
+        </p:nvSpPr>
+        <p:spPr/>
+        <p:txBody>
+          <a:bodyPr>
+            <a:normAutofit fontScale="90000"/>
+          </a:bodyPr>
+          <a:lstStyle/>
+          <a:p>
+            <a:r>
+              <a:rPr lang="zh-CN" altLang="en-US" dirty="0"/>
+              <a:t>容器</a:t>
+            </a:r>
+          </a:p>
+        </p:txBody>
+      </p:sp>
+      <p:sp>
+        <p:nvSpPr>
+          <p:cNvPr id="3" name="内容占位符 2"/>
+          <p:cNvSpPr>
+            <a:spLocks noGrp="1"/>
+          </p:cNvSpPr>
+          <p:nvPr>
+            <p:ph idx="1"/>
+          </p:nvPr>
+        </p:nvSpPr>
+        <p:spPr/>
+        <p:txBody>
+          <a:bodyPr/>
+          <a:lstStyle/>
+          <a:p>
+            <a:r>
+              <a:rPr lang="zh-CN" altLang="en-US" sz="2400" dirty="0"/>
+              <a:t>提供组件（对象）的创建及连接在一起的一种环境</a:t>
+            </a:r>
+            <a:endParaRPr lang="en-US" altLang="zh-CN" sz="2400" dirty="0"/>
+          </a:p>
+          <a:p>
+            <a:r>
+              <a:rPr lang="zh-CN" altLang="en-US" sz="2400" dirty="0"/>
+              <a:t>提供基本的服务</a:t>
+            </a:r>
+            <a:endParaRPr lang="en-US" altLang="zh-CN" sz="2400" dirty="0"/>
+          </a:p>
+          <a:p>
+            <a:pPr lvl="1"/>
+            <a:r>
+              <a:rPr lang="zh-CN" altLang="en-US" sz="2000" dirty="0"/>
+              <a:t>生命期管理</a:t>
+            </a:r>
+            <a:endParaRPr lang="en-US" altLang="zh-CN" sz="2000" dirty="0"/>
+          </a:p>
+          <a:p>
+            <a:pPr lvl="1"/>
+            <a:r>
+              <a:rPr lang="zh-CN" altLang="en-US" sz="2000" dirty="0"/>
+              <a:t>依赖管理</a:t>
+            </a:r>
+            <a:r>
+              <a:rPr lang="en-US" altLang="zh-CN" sz="2000" dirty="0"/>
+              <a:t>(</a:t>
+            </a:r>
+            <a:r>
+              <a:rPr lang="zh-CN" altLang="en-US" sz="2000" dirty="0"/>
+              <a:t>依赖注入</a:t>
+            </a:r>
+            <a:r>
+              <a:rPr lang="en-US" altLang="zh-CN" sz="2000" dirty="0"/>
+              <a:t>)</a:t>
+            </a:r>
+          </a:p>
+          <a:p>
+            <a:pPr lvl="1"/>
+            <a:r>
+              <a:rPr lang="zh-CN" altLang="en-US" sz="2000" dirty="0"/>
+              <a:t>组件</a:t>
+            </a:r>
+            <a:r>
+              <a:rPr lang="en-US" altLang="zh-CN" sz="2000" dirty="0"/>
+              <a:t>lookup</a:t>
+            </a:r>
+          </a:p>
+          <a:p>
+            <a:pPr lvl="1"/>
+            <a:r>
+              <a:rPr lang="zh-CN" altLang="en-US" sz="2000" dirty="0"/>
+              <a:t>应用程序的配置</a:t>
+            </a:r>
+            <a:endParaRPr lang="en-US" altLang="zh-CN" sz="2000" dirty="0"/>
+          </a:p>
+          <a:p>
+            <a:r>
+              <a:rPr lang="zh-CN" altLang="en-US" sz="2800" dirty="0"/>
+              <a:t>更高级的服务</a:t>
+            </a:r>
+            <a:endParaRPr lang="en-US" altLang="zh-CN" sz="2800" dirty="0"/>
+          </a:p>
+          <a:p>
+            <a:pPr lvl="1"/>
+            <a:r>
+              <a:rPr lang="zh-CN" altLang="en-US" sz="2400" dirty="0"/>
+              <a:t>事务管理</a:t>
+            </a:r>
+            <a:endParaRPr lang="en-US" altLang="zh-CN" sz="2400" dirty="0"/>
+          </a:p>
+          <a:p>
+            <a:pPr lvl="1"/>
+            <a:r>
+              <a:rPr lang="zh-CN" altLang="en-US" sz="2400" dirty="0"/>
+              <a:t>安全</a:t>
+            </a:r>
+          </a:p>
+          <a:p>
+            <a:endParaRPr lang="zh-CN" altLang="en-US" dirty="0"/>
+          </a:p>
+        </p:txBody>
+      </p:sp>
     </p:spTree>
     <p:extLst>
       <p:ext uri="{BB962C8B-B14F-4D97-AF65-F5344CB8AC3E}">
-        <p14:creationId xmlns:p14="http://schemas.microsoft.com/office/powerpoint/2010/main" val="3418871224"/>
+        <p14:creationId xmlns:p14="http://schemas.microsoft.com/office/powerpoint/2010/main" val="3104408126"/>
+      </p:ext>
+    </p:extLst>
+  </p:cSld>
+  <p:clrMapOvr>
+    <a:masterClrMapping/>
+  </p:clrMapOvr>
+</p:sld>
+</file>
+
+<file path=ppt/slides/slide4.xml><?xml version="1.0" encoding="utf-8"?>
+<p:sld xmlns:a="http://schemas.openxmlformats.org/drawingml/2006/main" xmlns:r="http://schemas.openxmlformats.org/officeDocument/2006/relationships" xmlns:p="http://schemas.openxmlformats.org/presentationml/2006/main">
+  <p:cSld>
+    <p:spTree>
+      <p:nvGrpSpPr>
+        <p:cNvPr id="1" name=""/>
+        <p:cNvGrpSpPr/>
+        <p:nvPr/>
+      </p:nvGrpSpPr>
+      <p:grpSpPr>
+        <a:xfrm>
+          <a:off x="0" y="0"/>
+          <a:ext cx="0" cy="0"/>
+          <a:chOff x="0" y="0"/>
+          <a:chExt cx="0" cy="0"/>
+        </a:xfrm>
+      </p:grpSpPr>
+      <p:sp>
+        <p:nvSpPr>
+          <p:cNvPr id="2" name="标题 1"/>
+          <p:cNvSpPr>
+            <a:spLocks noGrp="1"/>
+          </p:cNvSpPr>
+          <p:nvPr>
+            <p:ph type="title"/>
+          </p:nvPr>
+        </p:nvSpPr>
+        <p:spPr/>
+        <p:txBody>
+          <a:bodyPr>
+            <a:normAutofit fontScale="90000"/>
+          </a:bodyPr>
+          <a:lstStyle/>
+          <a:p>
+            <a:r>
+              <a:rPr lang="zh-CN" altLang="en-US" dirty="0"/>
+              <a:t>依赖注入的基本原理</a:t>
+            </a:r>
+          </a:p>
+        </p:txBody>
+      </p:sp>
+      <p:sp>
+        <p:nvSpPr>
+          <p:cNvPr id="3" name="内容占位符 2"/>
+          <p:cNvSpPr>
+            <a:spLocks noGrp="1"/>
+          </p:cNvSpPr>
+          <p:nvPr>
+            <p:ph idx="1"/>
+          </p:nvPr>
+        </p:nvSpPr>
+        <p:spPr/>
+        <p:txBody>
+          <a:bodyPr/>
+          <a:lstStyle/>
+          <a:p>
+            <a:r>
+              <a:rPr lang="zh-CN" altLang="en-US" sz="2800" dirty="0"/>
+              <a:t>应用程序对象不应该主动查找或实例化它所依赖的资源（合作者）</a:t>
+            </a:r>
+            <a:endParaRPr lang="en-US" altLang="zh-CN" sz="2800" dirty="0"/>
+          </a:p>
+          <a:p>
+            <a:r>
+              <a:rPr lang="zh-CN" altLang="en-US" sz="2800" dirty="0"/>
+              <a:t>容器应该处理对象的建立和依赖的注入，导致将对对资源的查找和实例化责任从应用程序的代码中外化给了容器</a:t>
+            </a:r>
+            <a:endParaRPr lang="en-US" altLang="zh-CN" sz="2800" dirty="0"/>
+          </a:p>
+          <a:p>
+            <a:r>
+              <a:rPr lang="zh-CN" altLang="en-US" sz="2800" dirty="0"/>
+              <a:t>所以，有两个术语：</a:t>
+            </a:r>
+            <a:endParaRPr lang="en-US" altLang="zh-CN" sz="2800" dirty="0"/>
+          </a:p>
+          <a:p>
+            <a:pPr lvl="1"/>
+            <a:r>
+              <a:rPr lang="zh-CN" altLang="en-US" sz="2400" dirty="0"/>
+              <a:t>依赖注入：</a:t>
+            </a:r>
+            <a:r>
+              <a:rPr lang="en-US" altLang="zh-CN" sz="2400" dirty="0"/>
+              <a:t>DI - Dependency Injection</a:t>
+            </a:r>
+          </a:p>
+          <a:p>
+            <a:pPr lvl="1"/>
+            <a:r>
+              <a:rPr lang="zh-CN" altLang="en-US" sz="2400" dirty="0"/>
+              <a:t>控制反转：</a:t>
+            </a:r>
+            <a:r>
+              <a:rPr lang="en-US" altLang="zh-CN" sz="2400" dirty="0" err="1"/>
+              <a:t>IoC</a:t>
+            </a:r>
+            <a:r>
+              <a:rPr lang="en-US" altLang="zh-CN" sz="2400" dirty="0"/>
+              <a:t> - Inverse of Control</a:t>
+            </a:r>
+          </a:p>
+          <a:p>
+            <a:r>
+              <a:rPr lang="zh-CN" altLang="en-US" sz="2800" dirty="0"/>
+              <a:t>这样的容器也被称为</a:t>
+            </a:r>
+            <a:r>
+              <a:rPr lang="en-US" altLang="zh-CN" sz="2800" dirty="0" err="1"/>
+              <a:t>IoC</a:t>
+            </a:r>
+            <a:r>
+              <a:rPr lang="zh-CN" altLang="en-US" sz="2800" dirty="0" smtClean="0"/>
+              <a:t>容器</a:t>
+            </a:r>
+            <a:endParaRPr lang="en-US" altLang="zh-CN" dirty="0" smtClean="0"/>
+          </a:p>
+          <a:p>
+            <a:endParaRPr lang="zh-CN" altLang="en-US" sz="2800" dirty="0"/>
+          </a:p>
+        </p:txBody>
+      </p:sp>
+    </p:spTree>
+    <p:extLst>
+      <p:ext uri="{BB962C8B-B14F-4D97-AF65-F5344CB8AC3E}">
+        <p14:creationId xmlns:p14="http://schemas.microsoft.com/office/powerpoint/2010/main" val="923010665"/>
+      </p:ext>
+    </p:extLst>
+  </p:cSld>
+  <p:clrMapOvr>
+    <a:masterClrMapping/>
+  </p:clrMapOvr>
+</p:sld>
+</file>
+
+<file path=ppt/slides/slide5.xml><?xml version="1.0" encoding="utf-8"?>
+<p:sld xmlns:a="http://schemas.openxmlformats.org/drawingml/2006/main" xmlns:r="http://schemas.openxmlformats.org/officeDocument/2006/relationships" xmlns:p="http://schemas.openxmlformats.org/presentationml/2006/main">
+  <p:cSld>
+    <p:spTree>
+      <p:nvGrpSpPr>
+        <p:cNvPr id="1" name=""/>
+        <p:cNvGrpSpPr/>
+        <p:nvPr/>
+      </p:nvGrpSpPr>
+      <p:grpSpPr>
+        <a:xfrm>
+          <a:off x="0" y="0"/>
+          <a:ext cx="0" cy="0"/>
+          <a:chOff x="0" y="0"/>
+          <a:chExt cx="0" cy="0"/>
+        </a:xfrm>
+      </p:grpSpPr>
+      <p:sp>
+        <p:nvSpPr>
+          <p:cNvPr id="2" name="标题 1"/>
+          <p:cNvSpPr>
+            <a:spLocks noGrp="1"/>
+          </p:cNvSpPr>
+          <p:nvPr>
+            <p:ph type="title"/>
+          </p:nvPr>
+        </p:nvSpPr>
+        <p:spPr/>
+        <p:txBody>
+          <a:bodyPr>
+            <a:normAutofit fontScale="90000"/>
+          </a:bodyPr>
+          <a:lstStyle/>
+          <a:p>
+            <a:r>
+              <a:rPr lang="zh-CN" altLang="en-US" dirty="0"/>
+              <a:t>依赖注入的形式</a:t>
+            </a:r>
+          </a:p>
+        </p:txBody>
+      </p:sp>
+      <p:sp>
+        <p:nvSpPr>
+          <p:cNvPr id="3" name="内容占位符 2"/>
+          <p:cNvSpPr>
+            <a:spLocks noGrp="1"/>
+          </p:cNvSpPr>
+          <p:nvPr>
+            <p:ph idx="1"/>
+          </p:nvPr>
+        </p:nvSpPr>
+        <p:spPr/>
+        <p:txBody>
+          <a:bodyPr/>
+          <a:lstStyle/>
+          <a:p>
+            <a:r>
+              <a:rPr lang="en-US" altLang="zh-CN" dirty="0"/>
+              <a:t>Setter</a:t>
+            </a:r>
+            <a:r>
+              <a:rPr lang="zh-CN" altLang="en-US" dirty="0"/>
+              <a:t>注入</a:t>
+            </a:r>
+            <a:endParaRPr lang="en-US" altLang="zh-CN" dirty="0"/>
+          </a:p>
+          <a:p>
+            <a:pPr>
+              <a:buNone/>
+            </a:pPr>
+            <a:r>
+              <a:rPr lang="en-US" altLang="zh-CN" dirty="0"/>
+              <a:t>      </a:t>
+            </a:r>
+            <a:r>
+              <a:rPr lang="zh-CN" altLang="en-US" dirty="0"/>
+              <a:t>容器通过调用</a:t>
+            </a:r>
+            <a:r>
+              <a:rPr lang="en-US" altLang="zh-CN" dirty="0"/>
+              <a:t>setter</a:t>
+            </a:r>
+            <a:r>
+              <a:rPr lang="zh-CN" altLang="en-US" dirty="0"/>
+              <a:t>方法将资源注入到组件</a:t>
+            </a:r>
+            <a:r>
+              <a:rPr lang="en-US" altLang="zh-CN" dirty="0"/>
+              <a:t>(</a:t>
+            </a:r>
+            <a:r>
+              <a:rPr lang="zh-CN" altLang="en-US" dirty="0"/>
+              <a:t>即对象实例</a:t>
+            </a:r>
+            <a:r>
+              <a:rPr lang="en-US" altLang="zh-CN" dirty="0"/>
+              <a:t>)</a:t>
+            </a:r>
+            <a:r>
+              <a:rPr lang="zh-CN" altLang="en-US" dirty="0"/>
+              <a:t>中</a:t>
+            </a:r>
+            <a:endParaRPr lang="en-US" altLang="zh-CN" dirty="0"/>
+          </a:p>
+          <a:p>
+            <a:r>
+              <a:rPr lang="zh-CN" altLang="en-US" dirty="0"/>
+              <a:t>构造器注入</a:t>
+            </a:r>
+            <a:endParaRPr lang="en-US" altLang="zh-CN" dirty="0"/>
+          </a:p>
+          <a:p>
+            <a:pPr>
+              <a:buNone/>
+            </a:pPr>
+            <a:r>
+              <a:rPr lang="en-US" altLang="zh-CN" dirty="0"/>
+              <a:t>      </a:t>
+            </a:r>
+            <a:r>
+              <a:rPr lang="zh-CN" altLang="en-US" dirty="0"/>
+              <a:t>在容器创建组件时，资源被注入到组件中</a:t>
+            </a:r>
+            <a:endParaRPr lang="en-US" altLang="zh-CN" sz="3600" dirty="0"/>
+          </a:p>
+          <a:p>
+            <a:r>
+              <a:rPr lang="zh-CN" altLang="en-US" dirty="0"/>
+              <a:t>配置元数据</a:t>
+            </a:r>
+            <a:endParaRPr lang="en-US" altLang="zh-CN" dirty="0"/>
+          </a:p>
+          <a:p>
+            <a:pPr>
+              <a:buNone/>
+            </a:pPr>
+            <a:r>
+              <a:rPr lang="en-US" altLang="zh-CN" dirty="0"/>
+              <a:t>      </a:t>
+            </a:r>
+            <a:r>
+              <a:rPr lang="zh-CN" altLang="en-US" dirty="0"/>
+              <a:t>组件有责任告诉容器，它要注入哪些资源，及以什么方式进行注入</a:t>
+            </a:r>
+          </a:p>
+          <a:p>
+            <a:endParaRPr lang="zh-CN" altLang="en-US" dirty="0"/>
+          </a:p>
+        </p:txBody>
+      </p:sp>
+    </p:spTree>
+    <p:extLst>
+      <p:ext uri="{BB962C8B-B14F-4D97-AF65-F5344CB8AC3E}">
+        <p14:creationId xmlns:p14="http://schemas.microsoft.com/office/powerpoint/2010/main" val="1360730880"/>
+      </p:ext>
+    </p:extLst>
+  </p:cSld>
+  <p:clrMapOvr>
+    <a:masterClrMapping/>
+  </p:clrMapOvr>
+</p:sld>
+</file>
+
+<file path=ppt/slides/slide6.xml><?xml version="1.0" encoding="utf-8"?>
+<p:sld xmlns:a="http://schemas.openxmlformats.org/drawingml/2006/main" xmlns:r="http://schemas.openxmlformats.org/officeDocument/2006/relationships" xmlns:p="http://schemas.openxmlformats.org/presentationml/2006/main">
+  <p:cSld>
+    <p:spTree>
+      <p:nvGrpSpPr>
+        <p:cNvPr id="1" name=""/>
+        <p:cNvGrpSpPr/>
+        <p:nvPr/>
+      </p:nvGrpSpPr>
+      <p:grpSpPr>
+        <a:xfrm>
+          <a:off x="0" y="0"/>
+          <a:ext cx="0" cy="0"/>
+          <a:chOff x="0" y="0"/>
+          <a:chExt cx="0" cy="0"/>
+        </a:xfrm>
+      </p:grpSpPr>
+      <p:sp>
+        <p:nvSpPr>
+          <p:cNvPr id="2" name="标题 1"/>
+          <p:cNvSpPr>
+            <a:spLocks noGrp="1"/>
+          </p:cNvSpPr>
+          <p:nvPr>
+            <p:ph type="title"/>
+          </p:nvPr>
+        </p:nvSpPr>
+        <p:spPr/>
+        <p:txBody>
+          <a:bodyPr>
+            <a:normAutofit fontScale="90000"/>
+          </a:bodyPr>
+          <a:lstStyle/>
+          <a:p>
+            <a:r>
+              <a:rPr lang="en-US" altLang="zh-CN" dirty="0"/>
+              <a:t>Bean</a:t>
+            </a:r>
+            <a:endParaRPr lang="zh-CN" altLang="en-US" dirty="0"/>
+          </a:p>
+        </p:txBody>
+      </p:sp>
+      <p:sp>
+        <p:nvSpPr>
+          <p:cNvPr id="3" name="内容占位符 2"/>
+          <p:cNvSpPr>
+            <a:spLocks noGrp="1"/>
+          </p:cNvSpPr>
+          <p:nvPr>
+            <p:ph idx="1"/>
+          </p:nvPr>
+        </p:nvSpPr>
+        <p:spPr/>
+        <p:txBody>
+          <a:bodyPr/>
+          <a:lstStyle/>
+          <a:p>
+            <a:r>
+              <a:rPr lang="zh-CN" altLang="en-US" dirty="0"/>
+              <a:t>构成程序的骨架，并且被</a:t>
+            </a:r>
+            <a:r>
+              <a:rPr lang="en-US" altLang="zh-CN" dirty="0"/>
+              <a:t>Spring</a:t>
+            </a:r>
+            <a:r>
+              <a:rPr lang="zh-CN" altLang="en-US" dirty="0"/>
+              <a:t>容器管理着的普通</a:t>
+            </a:r>
+            <a:r>
+              <a:rPr lang="en-US" altLang="zh-CN" dirty="0"/>
+              <a:t>Java</a:t>
+            </a:r>
+            <a:r>
+              <a:rPr lang="zh-CN" altLang="en-US" dirty="0"/>
+              <a:t>对象</a:t>
+            </a:r>
+            <a:r>
+              <a:rPr lang="en-US" altLang="zh-CN" dirty="0"/>
+              <a:t>(</a:t>
+            </a:r>
+            <a:r>
+              <a:rPr lang="zh-CN" altLang="en-US" dirty="0"/>
+              <a:t>也被称为</a:t>
+            </a:r>
+            <a:r>
+              <a:rPr lang="en-US" altLang="zh-CN" dirty="0"/>
+              <a:t>POJO)</a:t>
+            </a:r>
+          </a:p>
+          <a:p>
+            <a:r>
+              <a:rPr lang="zh-CN" altLang="en-US" dirty="0"/>
+              <a:t>是提供业务逻辑的对象</a:t>
+            </a:r>
+            <a:endParaRPr lang="en-US" altLang="zh-CN" dirty="0"/>
+          </a:p>
+          <a:p>
+            <a:r>
+              <a:rPr lang="zh-CN" altLang="en-US" dirty="0"/>
+              <a:t>不是</a:t>
+            </a:r>
+            <a:r>
+              <a:rPr lang="en-US" altLang="zh-CN" dirty="0"/>
+              <a:t>DTO (Data Transfer Object)</a:t>
+            </a:r>
+            <a:endParaRPr lang="zh-CN" altLang="en-US" dirty="0"/>
+          </a:p>
+          <a:p>
+            <a:endParaRPr lang="zh-CN" altLang="en-US" dirty="0"/>
+          </a:p>
+        </p:txBody>
+      </p:sp>
+    </p:spTree>
+    <p:extLst>
+      <p:ext uri="{BB962C8B-B14F-4D97-AF65-F5344CB8AC3E}">
+        <p14:creationId xmlns:p14="http://schemas.microsoft.com/office/powerpoint/2010/main" val="1394171766"/>
+      </p:ext>
+    </p:extLst>
+  </p:cSld>
+  <p:clrMapOvr>
+    <a:masterClrMapping/>
+  </p:clrMapOvr>
+</p:sld>
+</file>
+
+<file path=ppt/slides/slide7.xml><?xml version="1.0" encoding="utf-8"?>
+<p:sld xmlns:a="http://schemas.openxmlformats.org/drawingml/2006/main" xmlns:r="http://schemas.openxmlformats.org/officeDocument/2006/relationships" xmlns:p="http://schemas.openxmlformats.org/presentationml/2006/main">
+  <p:cSld>
+    <p:spTree>
+      <p:nvGrpSpPr>
+        <p:cNvPr id="1" name=""/>
+        <p:cNvGrpSpPr/>
+        <p:nvPr/>
+      </p:nvGrpSpPr>
+      <p:grpSpPr>
+        <a:xfrm>
+          <a:off x="0" y="0"/>
+          <a:ext cx="0" cy="0"/>
+          <a:chOff x="0" y="0"/>
+          <a:chExt cx="0" cy="0"/>
+        </a:xfrm>
+      </p:grpSpPr>
+      <p:sp>
+        <p:nvSpPr>
+          <p:cNvPr id="2" name="标题 1"/>
+          <p:cNvSpPr>
+            <a:spLocks noGrp="1"/>
+          </p:cNvSpPr>
+          <p:nvPr>
+            <p:ph type="title"/>
+          </p:nvPr>
+        </p:nvSpPr>
+        <p:spPr/>
+        <p:txBody>
+          <a:bodyPr>
+            <a:normAutofit fontScale="90000"/>
+          </a:bodyPr>
+          <a:lstStyle/>
+          <a:p>
+            <a:r>
+              <a:rPr lang="zh-CN" altLang="en-US" dirty="0"/>
+              <a:t>配置元数据</a:t>
+            </a:r>
+          </a:p>
+        </p:txBody>
+      </p:sp>
+      <p:sp>
+        <p:nvSpPr>
+          <p:cNvPr id="3" name="内容占位符 2"/>
+          <p:cNvSpPr>
+            <a:spLocks noGrp="1"/>
+          </p:cNvSpPr>
+          <p:nvPr>
+            <p:ph idx="1"/>
+          </p:nvPr>
+        </p:nvSpPr>
+        <p:spPr/>
+        <p:txBody>
+          <a:bodyPr/>
+          <a:lstStyle/>
+          <a:p>
+            <a:r>
+              <a:rPr lang="zh-CN" altLang="en-US" dirty="0"/>
+              <a:t>关于如何实例化组件，以及定义如何将组件进行装配的描述数据</a:t>
+            </a:r>
+            <a:endParaRPr lang="en-US" altLang="zh-CN" dirty="0"/>
+          </a:p>
+          <a:p>
+            <a:r>
+              <a:rPr lang="zh-CN" altLang="en-US" dirty="0"/>
+              <a:t>两种表示形式</a:t>
+            </a:r>
+            <a:endParaRPr lang="en-US" altLang="zh-CN" dirty="0"/>
+          </a:p>
+          <a:p>
+            <a:pPr lvl="1"/>
+            <a:r>
+              <a:rPr lang="zh-CN" altLang="en-US" dirty="0"/>
+              <a:t>注解</a:t>
+            </a:r>
+            <a:endParaRPr lang="en-US" altLang="zh-CN" dirty="0"/>
+          </a:p>
+          <a:p>
+            <a:pPr lvl="1"/>
+            <a:r>
+              <a:rPr lang="en-US" altLang="zh-CN" dirty="0"/>
+              <a:t>XML</a:t>
+            </a:r>
+            <a:endParaRPr lang="zh-CN" altLang="en-US" dirty="0"/>
+          </a:p>
+          <a:p>
+            <a:endParaRPr lang="zh-CN" altLang="en-US" dirty="0"/>
+          </a:p>
+        </p:txBody>
+      </p:sp>
+    </p:spTree>
+    <p:extLst>
+      <p:ext uri="{BB962C8B-B14F-4D97-AF65-F5344CB8AC3E}">
+        <p14:creationId xmlns:p14="http://schemas.microsoft.com/office/powerpoint/2010/main" val="1346287024"/>
+      </p:ext>
+    </p:extLst>
+  </p:cSld>
+  <p:clrMapOvr>
+    <a:masterClrMapping/>
+  </p:clrMapOvr>
+</p:sld>
+</file>
+
+<file path=ppt/slides/slide8.xml><?xml version="1.0" encoding="utf-8"?>
+<p:sld xmlns:a="http://schemas.openxmlformats.org/drawingml/2006/main" xmlns:r="http://schemas.openxmlformats.org/officeDocument/2006/relationships" xmlns:p="http://schemas.openxmlformats.org/presentationml/2006/main">
+  <p:cSld>
+    <p:spTree>
+      <p:nvGrpSpPr>
+        <p:cNvPr id="1" name=""/>
+        <p:cNvGrpSpPr/>
+        <p:nvPr/>
+      </p:nvGrpSpPr>
+      <p:grpSpPr>
+        <a:xfrm>
+          <a:off x="0" y="0"/>
+          <a:ext cx="0" cy="0"/>
+          <a:chOff x="0" y="0"/>
+          <a:chExt cx="0" cy="0"/>
+        </a:xfrm>
+      </p:grpSpPr>
+      <p:sp>
+        <p:nvSpPr>
+          <p:cNvPr id="2" name="标题 1"/>
+          <p:cNvSpPr>
+            <a:spLocks noGrp="1"/>
+          </p:cNvSpPr>
+          <p:nvPr>
+            <p:ph type="title"/>
+          </p:nvPr>
+        </p:nvSpPr>
+        <p:spPr/>
+        <p:txBody>
+          <a:bodyPr>
+            <a:normAutofit fontScale="90000"/>
+          </a:bodyPr>
+          <a:lstStyle/>
+          <a:p>
+            <a:r>
+              <a:rPr lang="en-US" altLang="zh-CN" dirty="0"/>
+              <a:t>Spring</a:t>
+            </a:r>
+            <a:r>
+              <a:rPr lang="zh-CN" altLang="en-US" dirty="0"/>
+              <a:t>容器</a:t>
+            </a:r>
+          </a:p>
+        </p:txBody>
+      </p:sp>
+      <p:sp>
+        <p:nvSpPr>
+          <p:cNvPr id="3" name="内容占位符 2"/>
+          <p:cNvSpPr>
+            <a:spLocks noGrp="1"/>
+          </p:cNvSpPr>
+          <p:nvPr>
+            <p:ph idx="1"/>
+          </p:nvPr>
+        </p:nvSpPr>
+        <p:spPr/>
+        <p:txBody>
+          <a:bodyPr>
+            <a:normAutofit fontScale="85000" lnSpcReduction="20000"/>
+          </a:bodyPr>
+          <a:lstStyle/>
+          <a:p>
+            <a:r>
+              <a:rPr lang="en-US" altLang="zh-CN" dirty="0"/>
+              <a:t>Core</a:t>
+            </a:r>
+            <a:r>
+              <a:rPr lang="zh-CN" altLang="en-US" dirty="0" smtClean="0"/>
+              <a:t>模块</a:t>
+            </a:r>
+            <a:endParaRPr lang="en-US" altLang="zh-CN" dirty="0" smtClean="0"/>
+          </a:p>
+          <a:p>
+            <a:pPr lvl="1"/>
+            <a:r>
+              <a:rPr lang="en-US" altLang="zh-CN" dirty="0" smtClean="0"/>
+              <a:t>Spring</a:t>
+            </a:r>
+            <a:r>
+              <a:rPr lang="zh-CN" altLang="en-US" dirty="0"/>
+              <a:t>框架的基础，主要提供</a:t>
+            </a:r>
+            <a:r>
+              <a:rPr lang="en-US" altLang="zh-CN" dirty="0" err="1"/>
+              <a:t>IoC</a:t>
+            </a:r>
+            <a:r>
+              <a:rPr lang="zh-CN" altLang="en-US" dirty="0"/>
+              <a:t>或</a:t>
+            </a:r>
+            <a:r>
+              <a:rPr lang="en-US" altLang="zh-CN" dirty="0"/>
+              <a:t>DI(Dependency Injection)</a:t>
+            </a:r>
+          </a:p>
+          <a:p>
+            <a:r>
+              <a:rPr lang="en-US" altLang="zh-CN" dirty="0"/>
+              <a:t>Bean</a:t>
+            </a:r>
+            <a:r>
+              <a:rPr lang="zh-CN" altLang="en-US" dirty="0" smtClean="0"/>
+              <a:t>模块</a:t>
+            </a:r>
+            <a:endParaRPr lang="en-US" altLang="zh-CN" dirty="0" smtClean="0"/>
+          </a:p>
+          <a:p>
+            <a:pPr lvl="1"/>
+            <a:r>
+              <a:rPr lang="zh-CN" altLang="en-US" dirty="0" smtClean="0"/>
+              <a:t>提供</a:t>
+            </a:r>
+            <a:r>
+              <a:rPr lang="en-US" altLang="zh-CN" dirty="0" err="1"/>
+              <a:t>BeanFactory</a:t>
+            </a:r>
+            <a:r>
+              <a:rPr lang="en-US" altLang="zh-CN" dirty="0"/>
+              <a:t>, </a:t>
+            </a:r>
+            <a:r>
+              <a:rPr lang="zh-CN" altLang="en-US" dirty="0"/>
+              <a:t>实现各种工厂模式来服务</a:t>
+            </a:r>
+            <a:r>
+              <a:rPr lang="en-US" altLang="zh-CN" dirty="0"/>
+              <a:t>Bean</a:t>
+            </a:r>
+            <a:r>
+              <a:rPr lang="zh-CN" altLang="en-US" dirty="0"/>
+              <a:t>的实例化</a:t>
+            </a:r>
+          </a:p>
+          <a:p>
+            <a:r>
+              <a:rPr lang="en-US" altLang="zh-CN" dirty="0"/>
+              <a:t>Context</a:t>
+            </a:r>
+            <a:r>
+              <a:rPr lang="zh-CN" altLang="en-US" dirty="0" smtClean="0"/>
+              <a:t>模块</a:t>
+            </a:r>
+            <a:endParaRPr lang="en-US" altLang="zh-CN" dirty="0" smtClean="0"/>
+          </a:p>
+          <a:p>
+            <a:pPr lvl="1"/>
+            <a:r>
+              <a:rPr lang="zh-CN" altLang="en-US" dirty="0" smtClean="0"/>
+              <a:t>定义</a:t>
+            </a:r>
+            <a:r>
+              <a:rPr lang="zh-CN" altLang="en-US" dirty="0"/>
+              <a:t>和配置</a:t>
+            </a:r>
+            <a:r>
+              <a:rPr lang="en-US" altLang="zh-CN" dirty="0"/>
+              <a:t>Bean</a:t>
+            </a:r>
+            <a:r>
+              <a:rPr lang="zh-CN" altLang="en-US" dirty="0"/>
+              <a:t>，访问</a:t>
+            </a:r>
+            <a:r>
+              <a:rPr lang="en-US" altLang="zh-CN" dirty="0"/>
+              <a:t>Bean</a:t>
+            </a:r>
+            <a:r>
+              <a:rPr lang="zh-CN" altLang="en-US" dirty="0"/>
+              <a:t>。主要是</a:t>
+            </a:r>
+            <a:r>
+              <a:rPr lang="en-US" altLang="zh-CN" dirty="0" err="1"/>
+              <a:t>ApplicationContext</a:t>
+            </a:r>
+            <a:r>
+              <a:rPr lang="zh-CN" altLang="en-US" dirty="0"/>
+              <a:t>接口的各种类，提供各提供的各种上下文情况下的</a:t>
+            </a:r>
+            <a:r>
+              <a:rPr lang="en-US" altLang="zh-CN" dirty="0"/>
+              <a:t>Bean</a:t>
+            </a:r>
+            <a:r>
+              <a:rPr lang="zh-CN" altLang="en-US" dirty="0"/>
+              <a:t>的构造和访问</a:t>
+            </a:r>
+          </a:p>
+          <a:p>
+            <a:r>
+              <a:rPr lang="en-US" altLang="zh-CN" dirty="0" err="1"/>
+              <a:t>SpEL</a:t>
+            </a:r>
+            <a:r>
+              <a:rPr lang="zh-CN" altLang="en-US" dirty="0" smtClean="0"/>
+              <a:t>模块</a:t>
+            </a:r>
+            <a:endParaRPr lang="en-US" altLang="zh-CN" dirty="0" smtClean="0"/>
+          </a:p>
+          <a:p>
+            <a:pPr lvl="1"/>
+            <a:r>
+              <a:rPr lang="zh-CN" altLang="en-US" dirty="0" smtClean="0"/>
+              <a:t>一</a:t>
+            </a:r>
+            <a:r>
+              <a:rPr lang="zh-CN" altLang="en-US" dirty="0"/>
+              <a:t>种表达式语言，用于页面展示时</a:t>
+            </a:r>
+          </a:p>
+          <a:p>
+            <a:endParaRPr lang="zh-CN" altLang="en-US" dirty="0"/>
+          </a:p>
+        </p:txBody>
+      </p:sp>
+    </p:spTree>
+    <p:extLst>
+      <p:ext uri="{BB962C8B-B14F-4D97-AF65-F5344CB8AC3E}">
+        <p14:creationId xmlns:p14="http://schemas.microsoft.com/office/powerpoint/2010/main" val="1502758461"/>
+      </p:ext>
+    </p:extLst>
+  </p:cSld>
+  <p:clrMapOvr>
+    <a:masterClrMapping/>
+  </p:clrMapOvr>
+  <p:timing>
+    <p:tnLst>
+      <p:par>
+        <p:cTn id="1" dur="indefinite" restart="never" nodeType="tmRoot"/>
+      </p:par>
+    </p:tnLst>
+  </p:timing>
+</p:sld>
+</file>
+
+<file path=ppt/slides/slide9.xml><?xml version="1.0" encoding="utf-8"?>
+<p:sld xmlns:a="http://schemas.openxmlformats.org/drawingml/2006/main" xmlns:r="http://schemas.openxmlformats.org/officeDocument/2006/relationships" xmlns:p="http://schemas.openxmlformats.org/presentationml/2006/main">
+  <p:cSld>
+    <p:spTree>
+      <p:nvGrpSpPr>
+        <p:cNvPr id="1" name=""/>
+        <p:cNvGrpSpPr/>
+        <p:nvPr/>
+      </p:nvGrpSpPr>
+      <p:grpSpPr>
+        <a:xfrm>
+          <a:off x="0" y="0"/>
+          <a:ext cx="0" cy="0"/>
+          <a:chOff x="0" y="0"/>
+          <a:chExt cx="0" cy="0"/>
+        </a:xfrm>
+      </p:grpSpPr>
+      <p:sp>
+        <p:nvSpPr>
+          <p:cNvPr id="2" name="标题 1"/>
+          <p:cNvSpPr>
+            <a:spLocks noGrp="1"/>
+          </p:cNvSpPr>
+          <p:nvPr>
+            <p:ph type="title"/>
+          </p:nvPr>
+        </p:nvSpPr>
+        <p:spPr/>
+        <p:txBody>
+          <a:bodyPr>
+            <a:normAutofit fontScale="90000"/>
+          </a:bodyPr>
+          <a:lstStyle/>
+          <a:p>
+            <a:r>
+              <a:rPr lang="zh-CN" altLang="en-US" dirty="0" smtClean="0"/>
+              <a:t>对象依赖图</a:t>
+            </a:r>
+            <a:endParaRPr lang="zh-CN" altLang="en-US" dirty="0"/>
+          </a:p>
+        </p:txBody>
+      </p:sp>
+      <p:sp>
+        <p:nvSpPr>
+          <p:cNvPr id="3" name="内容占位符 2"/>
+          <p:cNvSpPr>
+            <a:spLocks noGrp="1"/>
+          </p:cNvSpPr>
+          <p:nvPr>
+            <p:ph idx="1"/>
+          </p:nvPr>
+        </p:nvSpPr>
+        <p:spPr/>
+        <p:txBody>
+          <a:bodyPr/>
+          <a:lstStyle/>
+          <a:p>
+            <a:r>
+              <a:rPr lang="en-US" altLang="zh-CN" dirty="0" smtClean="0"/>
+              <a:t>Wired</a:t>
+            </a:r>
+            <a:r>
+              <a:rPr lang="zh-CN" altLang="en-US" dirty="0" smtClean="0"/>
+              <a:t>对象</a:t>
+            </a:r>
+            <a:endParaRPr lang="zh-CN" altLang="en-US" dirty="0"/>
+          </a:p>
+        </p:txBody>
+      </p:sp>
+      <p:pic>
+        <p:nvPicPr>
+          <p:cNvPr id="3074" name="Picture 2"/>
+          <p:cNvPicPr>
+            <a:picLocks noChangeAspect="1" noChangeArrowheads="1"/>
+          </p:cNvPicPr>
+          <p:nvPr/>
+        </p:nvPicPr>
+        <p:blipFill>
+          <a:blip r:embed="rId2">
+            <a:extLst>
+              <a:ext uri="{28A0092B-C50C-407E-A947-70E740481C1C}">
+                <a14:useLocalDpi xmlns:a14="http://schemas.microsoft.com/office/drawing/2010/main" val="0"/>
+              </a:ext>
+            </a:extLst>
+          </a:blip>
+          <a:srcRect/>
+          <a:stretch>
+            <a:fillRect/>
+          </a:stretch>
+        </p:blipFill>
+        <p:spPr bwMode="auto">
+          <a:xfrm>
+            <a:off x="1331640" y="2905548"/>
+            <a:ext cx="5599224" cy="1178784"/>
+          </a:xfrm>
+          <a:prstGeom prst="rect">
+            <a:avLst/>
+          </a:prstGeom>
+          <a:noFill/>
+          <a:ln>
+            <a:noFill/>
+          </a:ln>
+          <a:effectLst/>
+          <a:extLst>
+            <a:ext uri="{909E8E84-426E-40DD-AFC4-6F175D3DCCD1}">
+              <a14:hiddenFill xmlns:a14="http://schemas.microsoft.com/office/drawing/2010/main">
+                <a:solidFill>
+                  <a:schemeClr val="accent1"/>
+                </a:solidFill>
+              </a14:hiddenFill>
+            </a:ext>
+            <a:ext uri="{91240B29-F687-4F45-9708-019B960494DF}">
+              <a14:hiddenLine xmlns:a14="http://schemas.microsoft.com/office/drawing/2010/main" w="9525">
+                <a:solidFill>
+                  <a:schemeClr val="tx1"/>
+                </a:solidFill>
+                <a:miter lim="800000"/>
+                <a:headEnd/>
+                <a:tailEnd/>
+              </a14:hiddenLine>
+            </a:ext>
+            <a:ext uri="{AF507438-7753-43E0-B8FC-AC1667EBCBE1}">
+              <a14:hiddenEffects xmlns:a14="http://schemas.microsoft.com/office/drawing/2010/main">
+                <a:effectLst>
+                  <a:outerShdw dist="35921" dir="2700000" algn="ctr" rotWithShape="0">
+                    <a:schemeClr val="bg2"/>
+                  </a:outerShdw>
+                </a:effectLst>
+              </a14:hiddenEffects>
+            </a:ext>
+          </a:extLst>
+        </p:spPr>
+      </p:pic>
+    </p:spTree>
+    <p:extLst>
+      <p:ext uri="{BB962C8B-B14F-4D97-AF65-F5344CB8AC3E}">
+        <p14:creationId xmlns:p14="http://schemas.microsoft.com/office/powerpoint/2010/main" val="328048189"/>
       </p:ext>
     </p:extLst>
   </p:cSld>
